--- a/Licenta.pptx
+++ b/Licenta.pptx
@@ -540,7 +540,7 @@
           <a:p>
             <a:fld id="{FCE5CAE3-E66C-483F-9A91-133D66834A8A}" type="datetimeFigureOut">
               <a:rPr lang="ro-RO" smtClean="0"/>
-              <a:t>21.06.2018</a:t>
+              <a:t>22.06.2018</a:t>
             </a:fld>
             <a:endParaRPr lang="ro-RO"/>
           </a:p>
@@ -752,7 +752,7 @@
           <a:p>
             <a:fld id="{FCE5CAE3-E66C-483F-9A91-133D66834A8A}" type="datetimeFigureOut">
               <a:rPr lang="ro-RO" smtClean="0"/>
-              <a:t>21.06.2018</a:t>
+              <a:t>22.06.2018</a:t>
             </a:fld>
             <a:endParaRPr lang="ro-RO"/>
           </a:p>
@@ -939,7 +939,7 @@
           <a:p>
             <a:fld id="{FCE5CAE3-E66C-483F-9A91-133D66834A8A}" type="datetimeFigureOut">
               <a:rPr lang="ro-RO" smtClean="0"/>
-              <a:t>21.06.2018</a:t>
+              <a:t>22.06.2018</a:t>
             </a:fld>
             <a:endParaRPr lang="ro-RO"/>
           </a:p>
@@ -1036,7 +1036,7 @@
           <a:p>
             <a:fld id="{FCE5CAE3-E66C-483F-9A91-133D66834A8A}" type="datetimeFigureOut">
               <a:rPr lang="ro-RO" smtClean="0"/>
-              <a:t>21.06.2018</a:t>
+              <a:t>22.06.2018</a:t>
             </a:fld>
             <a:endParaRPr lang="ro-RO"/>
           </a:p>
@@ -1632,7 +1632,7 @@
           <a:p>
             <a:fld id="{FCE5CAE3-E66C-483F-9A91-133D66834A8A}" type="datetimeFigureOut">
               <a:rPr lang="ro-RO" smtClean="0"/>
-              <a:t>21.06.2018</a:t>
+              <a:t>22.06.2018</a:t>
             </a:fld>
             <a:endParaRPr lang="ro-RO"/>
           </a:p>
@@ -1729,7 +1729,7 @@
           <a:p>
             <a:fld id="{FCE5CAE3-E66C-483F-9A91-133D66834A8A}" type="datetimeFigureOut">
               <a:rPr lang="ro-RO" smtClean="0"/>
-              <a:t>21.06.2018</a:t>
+              <a:t>22.06.2018</a:t>
             </a:fld>
             <a:endParaRPr lang="ro-RO"/>
           </a:p>
@@ -2334,7 +2334,7 @@
           <a:p>
             <a:fld id="{FCE5CAE3-E66C-483F-9A91-133D66834A8A}" type="datetimeFigureOut">
               <a:rPr lang="ro-RO" smtClean="0"/>
-              <a:t>21.06.2018</a:t>
+              <a:t>22.06.2018</a:t>
             </a:fld>
             <a:endParaRPr lang="ro-RO"/>
           </a:p>
@@ -2477,7 +2477,7 @@
           <a:p>
             <a:fld id="{FCE5CAE3-E66C-483F-9A91-133D66834A8A}" type="datetimeFigureOut">
               <a:rPr lang="ro-RO" smtClean="0"/>
-              <a:t>21.06.2018</a:t>
+              <a:t>22.06.2018</a:t>
             </a:fld>
             <a:endParaRPr lang="ro-RO"/>
           </a:p>
@@ -2574,7 +2574,7 @@
           <a:p>
             <a:fld id="{FCE5CAE3-E66C-483F-9A91-133D66834A8A}" type="datetimeFigureOut">
               <a:rPr lang="ro-RO" smtClean="0"/>
-              <a:t>21.06.2018</a:t>
+              <a:t>22.06.2018</a:t>
             </a:fld>
             <a:endParaRPr lang="ro-RO"/>
           </a:p>
@@ -2858,7 +2858,7 @@
           <a:p>
             <a:fld id="{FCE5CAE3-E66C-483F-9A91-133D66834A8A}" type="datetimeFigureOut">
               <a:rPr lang="ro-RO" smtClean="0"/>
-              <a:t>21.06.2018</a:t>
+              <a:t>22.06.2018</a:t>
             </a:fld>
             <a:endParaRPr lang="ro-RO"/>
           </a:p>
@@ -3380,7 +3380,7 @@
           <a:p>
             <a:fld id="{FCE5CAE3-E66C-483F-9A91-133D66834A8A}" type="datetimeFigureOut">
               <a:rPr lang="ro-RO" smtClean="0"/>
-              <a:t>21.06.2018</a:t>
+              <a:t>22.06.2018</a:t>
             </a:fld>
             <a:endParaRPr lang="ro-RO"/>
           </a:p>
@@ -3900,7 +3900,7 @@
           <a:p>
             <a:fld id="{FCE5CAE3-E66C-483F-9A91-133D66834A8A}" type="datetimeFigureOut">
               <a:rPr lang="ro-RO" smtClean="0"/>
-              <a:t>21.06.2018</a:t>
+              <a:t>22.06.2018</a:t>
             </a:fld>
             <a:endParaRPr lang="ro-RO"/>
           </a:p>
@@ -5930,14 +5930,14 @@
       </p:grpSpPr>
       <p:sp>
         <p:nvSpPr>
-          <p:cNvPr id="4" name="CasetăText 3"/>
-          <p:cNvSpPr txBox="1"/>
+          <p:cNvPr id="3" name="Dreptunghi 2"/>
+          <p:cNvSpPr/>
           <p:nvPr/>
         </p:nvSpPr>
         <p:spPr>
           <a:xfrm>
-            <a:off x="611560" y="260648"/>
-            <a:ext cx="5256584" cy="369332"/>
+            <a:off x="395536" y="188640"/>
+            <a:ext cx="8170300" cy="646331"/>
           </a:xfrm>
           <a:prstGeom prst="rect">
             <a:avLst/>
@@ -5945,24 +5945,85 @@
           <a:noFill/>
         </p:spPr>
         <p:txBody>
-          <a:bodyPr wrap="square" rtlCol="0">
+          <a:bodyPr wrap="square" lIns="91440" tIns="45720" rIns="91440" bIns="45720">
             <a:spAutoFit/>
           </a:bodyPr>
           <a:lstStyle/>
           <a:p>
+            <a:pPr algn="ctr"/>
             <a:r>
-              <a:rPr lang="en-US" dirty="0" err="1" smtClean="0"/>
-              <a:t>Ce</a:t>
+              <a:rPr lang="ro-RO" sz="3600" b="1" dirty="0" smtClean="0">
+                <a:ln w="17780" cmpd="sng">
+                  <a:solidFill>
+                    <a:schemeClr val="accent1">
+                      <a:tint val="3000"/>
+                    </a:schemeClr>
+                  </a:solidFill>
+                  <a:prstDash val="solid"/>
+                  <a:miter lim="800000"/>
+                </a:ln>
+                <a:gradFill>
+                  <a:gsLst>
+                    <a:gs pos="10000">
+                      <a:schemeClr val="accent1">
+                        <a:tint val="63000"/>
+                        <a:sat val="105000"/>
+                      </a:schemeClr>
+                    </a:gs>
+                    <a:gs pos="90000">
+                      <a:schemeClr val="accent1">
+                        <a:shade val="50000"/>
+                        <a:satMod val="100000"/>
+                      </a:schemeClr>
+                    </a:gs>
+                  </a:gsLst>
+                  <a:lin ang="5400000"/>
+                </a:gradFill>
+                <a:effectLst>
+                  <a:outerShdw blurRad="55000" dist="50800" dir="5400000" algn="tl">
+                    <a:srgbClr val="000000">
+                      <a:alpha val="33000"/>
+                    </a:srgbClr>
+                  </a:outerShdw>
+                </a:effectLst>
+              </a:rPr>
+              <a:t>Implementare</a:t>
             </a:r>
-            <a:r>
-              <a:rPr lang="en-US" dirty="0" smtClean="0"/>
-              <a:t> am </a:t>
-            </a:r>
-            <a:r>
-              <a:rPr lang="en-US" dirty="0" err="1" smtClean="0"/>
-              <a:t>facut</a:t>
-            </a:r>
-            <a:endParaRPr lang="ro-RO" dirty="0"/>
+            <a:endParaRPr lang="ro-RO" sz="3600" b="1" cap="none" spc="0" dirty="0">
+              <a:ln w="17780" cmpd="sng">
+                <a:solidFill>
+                  <a:schemeClr val="accent1">
+                    <a:tint val="3000"/>
+                  </a:schemeClr>
+                </a:solidFill>
+                <a:prstDash val="solid"/>
+                <a:miter lim="800000"/>
+              </a:ln>
+              <a:gradFill>
+                <a:gsLst>
+                  <a:gs pos="10000">
+                    <a:schemeClr val="accent1">
+                      <a:tint val="63000"/>
+                      <a:sat val="105000"/>
+                    </a:schemeClr>
+                  </a:gs>
+                  <a:gs pos="90000">
+                    <a:schemeClr val="accent1">
+                      <a:shade val="50000"/>
+                      <a:satMod val="100000"/>
+                    </a:schemeClr>
+                  </a:gs>
+                </a:gsLst>
+                <a:lin ang="5400000"/>
+              </a:gradFill>
+              <a:effectLst>
+                <a:outerShdw blurRad="55000" dist="50800" dir="5400000" algn="tl">
+                  <a:srgbClr val="000000">
+                    <a:alpha val="33000"/>
+                  </a:srgbClr>
+                </a:outerShdw>
+              </a:effectLst>
+            </a:endParaRPr>
           </a:p>
         </p:txBody>
       </p:sp>
@@ -5979,7 +6040,82 @@
   <p:timing>
     <p:tnLst>
       <p:par>
-        <p:cTn id="1" dur="indefinite" restart="never" nodeType="tmRoot"/>
+        <p:cTn id="1" dur="indefinite" restart="never" nodeType="tmRoot">
+          <p:childTnLst>
+            <p:seq concurrent="1" nextAc="seek">
+              <p:cTn id="2" dur="indefinite" nodeType="mainSeq">
+                <p:childTnLst>
+                  <p:par>
+                    <p:cTn id="3" fill="hold">
+                      <p:stCondLst>
+                        <p:cond delay="indefinite"/>
+                        <p:cond evt="onBegin" delay="0">
+                          <p:tn val="2"/>
+                        </p:cond>
+                      </p:stCondLst>
+                      <p:childTnLst>
+                        <p:par>
+                          <p:cTn id="4" fill="hold">
+                            <p:stCondLst>
+                              <p:cond delay="0"/>
+                            </p:stCondLst>
+                            <p:childTnLst>
+                              <p:par>
+                                <p:cTn id="5" presetID="1" presetClass="entr" presetSubtype="0" fill="hold" nodeType="afterEffect">
+                                  <p:stCondLst>
+                                    <p:cond delay="0"/>
+                                  </p:stCondLst>
+                                  <p:childTnLst>
+                                    <p:set>
+                                      <p:cBhvr>
+                                        <p:cTn id="6" dur="1" fill="hold">
+                                          <p:stCondLst>
+                                            <p:cond delay="499"/>
+                                          </p:stCondLst>
+                                        </p:cTn>
+                                        <p:tgtEl>
+                                          <p:spTgt spid="3">
+                                            <p:txEl>
+                                              <p:pRg st="0" end="0"/>
+                                            </p:txEl>
+                                          </p:spTgt>
+                                        </p:tgtEl>
+                                        <p:attrNameLst>
+                                          <p:attrName>style.visibility</p:attrName>
+                                        </p:attrNameLst>
+                                      </p:cBhvr>
+                                      <p:to>
+                                        <p:strVal val="visible"/>
+                                      </p:to>
+                                    </p:set>
+                                  </p:childTnLst>
+                                </p:cTn>
+                              </p:par>
+                            </p:childTnLst>
+                          </p:cTn>
+                        </p:par>
+                      </p:childTnLst>
+                    </p:cTn>
+                  </p:par>
+                </p:childTnLst>
+              </p:cTn>
+              <p:prevCondLst>
+                <p:cond evt="onPrev" delay="0">
+                  <p:tgtEl>
+                    <p:sldTgt/>
+                  </p:tgtEl>
+                </p:cond>
+              </p:prevCondLst>
+              <p:nextCondLst>
+                <p:cond evt="onNext" delay="0">
+                  <p:tgtEl>
+                    <p:sldTgt/>
+                  </p:tgtEl>
+                </p:cond>
+              </p:nextCondLst>
+            </p:seq>
+          </p:childTnLst>
+        </p:cTn>
       </p:par>
     </p:tnLst>
   </p:timing>
@@ -6005,14 +6141,14 @@
       </p:grpSpPr>
       <p:sp>
         <p:nvSpPr>
-          <p:cNvPr id="4" name="CasetăText 3"/>
-          <p:cNvSpPr txBox="1"/>
+          <p:cNvPr id="3" name="Dreptunghi 2"/>
+          <p:cNvSpPr/>
           <p:nvPr/>
         </p:nvSpPr>
         <p:spPr>
           <a:xfrm>
-            <a:off x="1403648" y="404664"/>
-            <a:ext cx="6264696" cy="369332"/>
+            <a:off x="395536" y="188640"/>
+            <a:ext cx="8170300" cy="646331"/>
           </a:xfrm>
           <a:prstGeom prst="rect">
             <a:avLst/>
@@ -6020,20 +6156,85 @@
           <a:noFill/>
         </p:spPr>
         <p:txBody>
-          <a:bodyPr wrap="square" rtlCol="0">
+          <a:bodyPr wrap="square" lIns="91440" tIns="45720" rIns="91440" bIns="45720">
             <a:spAutoFit/>
           </a:bodyPr>
           <a:lstStyle/>
           <a:p>
+            <a:pPr algn="ctr"/>
             <a:r>
-              <a:rPr lang="en-US" dirty="0" smtClean="0"/>
-              <a:t>Cum am </a:t>
+              <a:rPr lang="ro-RO" sz="3600" b="1" dirty="0" smtClean="0">
+                <a:ln w="17780" cmpd="sng">
+                  <a:solidFill>
+                    <a:schemeClr val="accent1">
+                      <a:tint val="3000"/>
+                    </a:schemeClr>
+                  </a:solidFill>
+                  <a:prstDash val="solid"/>
+                  <a:miter lim="800000"/>
+                </a:ln>
+                <a:gradFill>
+                  <a:gsLst>
+                    <a:gs pos="10000">
+                      <a:schemeClr val="accent1">
+                        <a:tint val="63000"/>
+                        <a:sat val="105000"/>
+                      </a:schemeClr>
+                    </a:gs>
+                    <a:gs pos="90000">
+                      <a:schemeClr val="accent1">
+                        <a:shade val="50000"/>
+                        <a:satMod val="100000"/>
+                      </a:schemeClr>
+                    </a:gs>
+                  </a:gsLst>
+                  <a:lin ang="5400000"/>
+                </a:gradFill>
+                <a:effectLst>
+                  <a:outerShdw blurRad="55000" dist="50800" dir="5400000" algn="tl">
+                    <a:srgbClr val="000000">
+                      <a:alpha val="33000"/>
+                    </a:srgbClr>
+                  </a:outerShdw>
+                </a:effectLst>
+              </a:rPr>
+              <a:t>Testare</a:t>
             </a:r>
-            <a:r>
-              <a:rPr lang="en-US" dirty="0" err="1" smtClean="0"/>
-              <a:t>testat</a:t>
-            </a:r>
-            <a:endParaRPr lang="ro-RO" dirty="0"/>
+            <a:endParaRPr lang="ro-RO" sz="3600" b="1" cap="none" spc="0" dirty="0">
+              <a:ln w="17780" cmpd="sng">
+                <a:solidFill>
+                  <a:schemeClr val="accent1">
+                    <a:tint val="3000"/>
+                  </a:schemeClr>
+                </a:solidFill>
+                <a:prstDash val="solid"/>
+                <a:miter lim="800000"/>
+              </a:ln>
+              <a:gradFill>
+                <a:gsLst>
+                  <a:gs pos="10000">
+                    <a:schemeClr val="accent1">
+                      <a:tint val="63000"/>
+                      <a:sat val="105000"/>
+                    </a:schemeClr>
+                  </a:gs>
+                  <a:gs pos="90000">
+                    <a:schemeClr val="accent1">
+                      <a:shade val="50000"/>
+                      <a:satMod val="100000"/>
+                    </a:schemeClr>
+                  </a:gs>
+                </a:gsLst>
+                <a:lin ang="5400000"/>
+              </a:gradFill>
+              <a:effectLst>
+                <a:outerShdw blurRad="55000" dist="50800" dir="5400000" algn="tl">
+                  <a:srgbClr val="000000">
+                    <a:alpha val="33000"/>
+                  </a:srgbClr>
+                </a:outerShdw>
+              </a:effectLst>
+            </a:endParaRPr>
           </a:p>
         </p:txBody>
       </p:sp>
@@ -6050,7 +6251,82 @@
   <p:timing>
     <p:tnLst>
       <p:par>
-        <p:cTn id="1" dur="indefinite" restart="never" nodeType="tmRoot"/>
+        <p:cTn id="1" dur="indefinite" restart="never" nodeType="tmRoot">
+          <p:childTnLst>
+            <p:seq concurrent="1" nextAc="seek">
+              <p:cTn id="2" dur="indefinite" nodeType="mainSeq">
+                <p:childTnLst>
+                  <p:par>
+                    <p:cTn id="3" fill="hold">
+                      <p:stCondLst>
+                        <p:cond delay="indefinite"/>
+                        <p:cond evt="onBegin" delay="0">
+                          <p:tn val="2"/>
+                        </p:cond>
+                      </p:stCondLst>
+                      <p:childTnLst>
+                        <p:par>
+                          <p:cTn id="4" fill="hold">
+                            <p:stCondLst>
+                              <p:cond delay="0"/>
+                            </p:stCondLst>
+                            <p:childTnLst>
+                              <p:par>
+                                <p:cTn id="5" presetID="1" presetClass="entr" presetSubtype="0" fill="hold" nodeType="afterEffect">
+                                  <p:stCondLst>
+                                    <p:cond delay="0"/>
+                                  </p:stCondLst>
+                                  <p:childTnLst>
+                                    <p:set>
+                                      <p:cBhvr>
+                                        <p:cTn id="6" dur="1" fill="hold">
+                                          <p:stCondLst>
+                                            <p:cond delay="499"/>
+                                          </p:stCondLst>
+                                        </p:cTn>
+                                        <p:tgtEl>
+                                          <p:spTgt spid="3">
+                                            <p:txEl>
+                                              <p:pRg st="0" end="0"/>
+                                            </p:txEl>
+                                          </p:spTgt>
+                                        </p:tgtEl>
+                                        <p:attrNameLst>
+                                          <p:attrName>style.visibility</p:attrName>
+                                        </p:attrNameLst>
+                                      </p:cBhvr>
+                                      <p:to>
+                                        <p:strVal val="visible"/>
+                                      </p:to>
+                                    </p:set>
+                                  </p:childTnLst>
+                                </p:cTn>
+                              </p:par>
+                            </p:childTnLst>
+                          </p:cTn>
+                        </p:par>
+                      </p:childTnLst>
+                    </p:cTn>
+                  </p:par>
+                </p:childTnLst>
+              </p:cTn>
+              <p:prevCondLst>
+                <p:cond evt="onPrev" delay="0">
+                  <p:tgtEl>
+                    <p:sldTgt/>
+                  </p:tgtEl>
+                </p:cond>
+              </p:prevCondLst>
+              <p:nextCondLst>
+                <p:cond evt="onNext" delay="0">
+                  <p:tgtEl>
+                    <p:sldTgt/>
+                  </p:tgtEl>
+                </p:cond>
+              </p:nextCondLst>
+            </p:seq>
+          </p:childTnLst>
+        </p:cTn>
       </p:par>
     </p:tnLst>
   </p:timing>
@@ -6076,14 +6352,14 @@
       </p:grpSpPr>
       <p:sp>
         <p:nvSpPr>
-          <p:cNvPr id="4" name="CasetăText 3"/>
-          <p:cNvSpPr txBox="1"/>
+          <p:cNvPr id="3" name="Dreptunghi 2"/>
+          <p:cNvSpPr/>
           <p:nvPr/>
         </p:nvSpPr>
         <p:spPr>
           <a:xfrm>
-            <a:off x="1115616" y="692696"/>
-            <a:ext cx="4536504" cy="369332"/>
+            <a:off x="395536" y="188640"/>
+            <a:ext cx="8170300" cy="646331"/>
           </a:xfrm>
           <a:prstGeom prst="rect">
             <a:avLst/>
@@ -6091,20 +6367,85 @@
           <a:noFill/>
         </p:spPr>
         <p:txBody>
-          <a:bodyPr wrap="square" rtlCol="0">
+          <a:bodyPr wrap="square" lIns="91440" tIns="45720" rIns="91440" bIns="45720">
             <a:spAutoFit/>
           </a:bodyPr>
           <a:lstStyle/>
           <a:p>
+            <a:pPr algn="ctr"/>
             <a:r>
-              <a:rPr lang="en-US" dirty="0" err="1" smtClean="0"/>
+              <a:rPr lang="ro-RO" sz="3600" b="1" dirty="0" smtClean="0">
+                <a:ln w="17780" cmpd="sng">
+                  <a:solidFill>
+                    <a:schemeClr val="accent1">
+                      <a:tint val="3000"/>
+                    </a:schemeClr>
+                  </a:solidFill>
+                  <a:prstDash val="solid"/>
+                  <a:miter lim="800000"/>
+                </a:ln>
+                <a:gradFill>
+                  <a:gsLst>
+                    <a:gs pos="10000">
+                      <a:schemeClr val="accent1">
+                        <a:tint val="63000"/>
+                        <a:sat val="105000"/>
+                      </a:schemeClr>
+                    </a:gs>
+                    <a:gs pos="90000">
+                      <a:schemeClr val="accent1">
+                        <a:shade val="50000"/>
+                        <a:satMod val="100000"/>
+                      </a:schemeClr>
+                    </a:gs>
+                  </a:gsLst>
+                  <a:lin ang="5400000"/>
+                </a:gradFill>
+                <a:effectLst>
+                  <a:outerShdw blurRad="55000" dist="50800" dir="5400000" algn="tl">
+                    <a:srgbClr val="000000">
+                      <a:alpha val="33000"/>
+                    </a:srgbClr>
+                  </a:outerShdw>
+                </a:effectLst>
+              </a:rPr>
               <a:t>Concluzii</a:t>
             </a:r>
-            <a:r>
-              <a:rPr lang="en-US" smtClean="0"/>
-              <a:t>.</a:t>
-            </a:r>
-            <a:endParaRPr lang="ro-RO"/>
+            <a:endParaRPr lang="ro-RO" sz="3600" b="1" cap="none" spc="0" dirty="0">
+              <a:ln w="17780" cmpd="sng">
+                <a:solidFill>
+                  <a:schemeClr val="accent1">
+                    <a:tint val="3000"/>
+                  </a:schemeClr>
+                </a:solidFill>
+                <a:prstDash val="solid"/>
+                <a:miter lim="800000"/>
+              </a:ln>
+              <a:gradFill>
+                <a:gsLst>
+                  <a:gs pos="10000">
+                    <a:schemeClr val="accent1">
+                      <a:tint val="63000"/>
+                      <a:sat val="105000"/>
+                    </a:schemeClr>
+                  </a:gs>
+                  <a:gs pos="90000">
+                    <a:schemeClr val="accent1">
+                      <a:shade val="50000"/>
+                      <a:satMod val="100000"/>
+                    </a:schemeClr>
+                  </a:gs>
+                </a:gsLst>
+                <a:lin ang="5400000"/>
+              </a:gradFill>
+              <a:effectLst>
+                <a:outerShdw blurRad="55000" dist="50800" dir="5400000" algn="tl">
+                  <a:srgbClr val="000000">
+                    <a:alpha val="33000"/>
+                  </a:srgbClr>
+                </a:outerShdw>
+              </a:effectLst>
+            </a:endParaRPr>
           </a:p>
         </p:txBody>
       </p:sp>
@@ -6121,7 +6462,82 @@
   <p:timing>
     <p:tnLst>
       <p:par>
-        <p:cTn id="1" dur="indefinite" restart="never" nodeType="tmRoot"/>
+        <p:cTn id="1" dur="indefinite" restart="never" nodeType="tmRoot">
+          <p:childTnLst>
+            <p:seq concurrent="1" nextAc="seek">
+              <p:cTn id="2" dur="indefinite" nodeType="mainSeq">
+                <p:childTnLst>
+                  <p:par>
+                    <p:cTn id="3" fill="hold">
+                      <p:stCondLst>
+                        <p:cond delay="indefinite"/>
+                        <p:cond evt="onBegin" delay="0">
+                          <p:tn val="2"/>
+                        </p:cond>
+                      </p:stCondLst>
+                      <p:childTnLst>
+                        <p:par>
+                          <p:cTn id="4" fill="hold">
+                            <p:stCondLst>
+                              <p:cond delay="0"/>
+                            </p:stCondLst>
+                            <p:childTnLst>
+                              <p:par>
+                                <p:cTn id="5" presetID="1" presetClass="entr" presetSubtype="0" fill="hold" nodeType="afterEffect">
+                                  <p:stCondLst>
+                                    <p:cond delay="0"/>
+                                  </p:stCondLst>
+                                  <p:childTnLst>
+                                    <p:set>
+                                      <p:cBhvr>
+                                        <p:cTn id="6" dur="1" fill="hold">
+                                          <p:stCondLst>
+                                            <p:cond delay="499"/>
+                                          </p:stCondLst>
+                                        </p:cTn>
+                                        <p:tgtEl>
+                                          <p:spTgt spid="3">
+                                            <p:txEl>
+                                              <p:pRg st="0" end="0"/>
+                                            </p:txEl>
+                                          </p:spTgt>
+                                        </p:tgtEl>
+                                        <p:attrNameLst>
+                                          <p:attrName>style.visibility</p:attrName>
+                                        </p:attrNameLst>
+                                      </p:cBhvr>
+                                      <p:to>
+                                        <p:strVal val="visible"/>
+                                      </p:to>
+                                    </p:set>
+                                  </p:childTnLst>
+                                </p:cTn>
+                              </p:par>
+                            </p:childTnLst>
+                          </p:cTn>
+                        </p:par>
+                      </p:childTnLst>
+                    </p:cTn>
+                  </p:par>
+                </p:childTnLst>
+              </p:cTn>
+              <p:prevCondLst>
+                <p:cond evt="onPrev" delay="0">
+                  <p:tgtEl>
+                    <p:sldTgt/>
+                  </p:tgtEl>
+                </p:cond>
+              </p:prevCondLst>
+              <p:nextCondLst>
+                <p:cond evt="onNext" delay="0">
+                  <p:tgtEl>
+                    <p:sldTgt/>
+                  </p:tgtEl>
+                </p:cond>
+              </p:nextCondLst>
+            </p:seq>
+          </p:childTnLst>
+        </p:cTn>
       </p:par>
     </p:tnLst>
   </p:timing>
@@ -6608,11 +7024,7 @@
             <a:pPr algn="ctr"/>
             <a:r>
               <a:rPr lang="en-US" dirty="0" smtClean="0"/>
-              <a:t>’</a:t>
-            </a:r>
-            <a:r>
-              <a:rPr lang="en-US" dirty="0" smtClean="0"/>
-              <a:t>90 - ’99</a:t>
+              <a:t>’90 - ’99</a:t>
             </a:r>
           </a:p>
         </p:txBody>
@@ -13029,7 +13441,6 @@
               <a:rPr lang="ro-RO" dirty="0"/>
               <a:t>O condiție prealabilă este că specificarea diagnosticului trebuie mutată la începutul procesului de dezvoltare</a:t>
             </a:r>
-            <a:endParaRPr lang="ro-RO" dirty="0"/>
           </a:p>
         </p:txBody>
       </p:sp>
@@ -14768,7 +15179,6 @@
               <a:rPr lang="ro-RO" sz="1600" dirty="0"/>
               <a:t>timp real</a:t>
             </a:r>
-            <a:endParaRPr lang="ro-RO" sz="1600" dirty="0"/>
           </a:p>
         </p:txBody>
       </p:sp>
@@ -14844,7 +15254,6 @@
               <a:rPr lang="ro-RO" sz="1600" dirty="0"/>
               <a:t>informații </a:t>
             </a:r>
-            <a:endParaRPr lang="ro-RO" sz="1600" dirty="0"/>
           </a:p>
         </p:txBody>
       </p:sp>
@@ -16882,7 +17291,7 @@
           <a:p>
             <a:pPr algn="ctr"/>
             <a:r>
-              <a:rPr lang="ro-RO" sz="3600" b="1" smtClean="0">
+              <a:rPr lang="ro-RO" sz="3600" b="1" dirty="0" smtClean="0">
                 <a:ln w="17780" cmpd="sng">
                   <a:solidFill>
                     <a:schemeClr val="accent1">
@@ -16957,6 +17366,702 @@
           </a:p>
         </p:txBody>
       </p:sp>
+      <p:grpSp>
+        <p:nvGrpSpPr>
+          <p:cNvPr id="9" name="Grupare 8"/>
+          <p:cNvGrpSpPr/>
+          <p:nvPr/>
+        </p:nvGrpSpPr>
+        <p:grpSpPr>
+          <a:xfrm>
+            <a:off x="2500466" y="1100200"/>
+            <a:ext cx="3960440" cy="2448272"/>
+            <a:chOff x="1691680" y="2204864"/>
+            <a:chExt cx="3960440" cy="2448272"/>
+          </a:xfrm>
+        </p:grpSpPr>
+        <p:sp>
+          <p:nvSpPr>
+            <p:cNvPr id="2" name="Dreptunghi rotunjit 1"/>
+            <p:cNvSpPr/>
+            <p:nvPr/>
+          </p:nvSpPr>
+          <p:spPr>
+            <a:xfrm>
+              <a:off x="1691680" y="2204864"/>
+              <a:ext cx="3960440" cy="2448272"/>
+            </a:xfrm>
+            <a:prstGeom prst="roundRect">
+              <a:avLst/>
+            </a:prstGeom>
+            <a:noFill/>
+            <a:ln w="76200"/>
+          </p:spPr>
+          <p:style>
+            <a:lnRef idx="2">
+              <a:schemeClr val="accent1">
+                <a:shade val="50000"/>
+              </a:schemeClr>
+            </a:lnRef>
+            <a:fillRef idx="1">
+              <a:schemeClr val="accent1"/>
+            </a:fillRef>
+            <a:effectRef idx="0">
+              <a:schemeClr val="accent1"/>
+            </a:effectRef>
+            <a:fontRef idx="minor">
+              <a:schemeClr val="lt1"/>
+            </a:fontRef>
+          </p:style>
+          <p:txBody>
+            <a:bodyPr rtlCol="0" anchor="ctr"/>
+            <a:lstStyle/>
+            <a:p>
+              <a:pPr algn="ctr"/>
+              <a:endParaRPr lang="ro-RO"/>
+            </a:p>
+          </p:txBody>
+        </p:sp>
+        <p:cxnSp>
+          <p:nvCxnSpPr>
+            <p:cNvPr id="5" name="Conector drept 4"/>
+            <p:cNvCxnSpPr/>
+            <p:nvPr/>
+          </p:nvCxnSpPr>
+          <p:spPr>
+            <a:xfrm>
+              <a:off x="1691680" y="4149080"/>
+              <a:ext cx="3960440" cy="0"/>
+            </a:xfrm>
+            <a:prstGeom prst="line">
+              <a:avLst/>
+            </a:prstGeom>
+            <a:ln w="76200">
+              <a:solidFill>
+                <a:srgbClr val="002060"/>
+              </a:solidFill>
+            </a:ln>
+          </p:spPr>
+          <p:style>
+            <a:lnRef idx="1">
+              <a:schemeClr val="accent1"/>
+            </a:lnRef>
+            <a:fillRef idx="0">
+              <a:schemeClr val="accent1"/>
+            </a:fillRef>
+            <a:effectRef idx="0">
+              <a:schemeClr val="accent1"/>
+            </a:effectRef>
+            <a:fontRef idx="minor">
+              <a:schemeClr val="tx1"/>
+            </a:fontRef>
+          </p:style>
+        </p:cxnSp>
+        <p:pic>
+          <p:nvPicPr>
+            <p:cNvPr id="1026" name="Picture 2" descr="C:\Users\HP\Desktop\poze_prezentare\power-button.png"/>
+            <p:cNvPicPr>
+              <a:picLocks noChangeAspect="1" noChangeArrowheads="1"/>
+            </p:cNvPicPr>
+            <p:nvPr/>
+          </p:nvPicPr>
+          <p:blipFill>
+            <a:blip r:embed="rId2" cstate="print">
+              <a:extLst>
+                <a:ext uri="{28A0092B-C50C-407E-A947-70E740481C1C}">
+                  <a14:useLocalDpi xmlns:a14="http://schemas.microsoft.com/office/drawing/2010/main" val="0"/>
+                </a:ext>
+              </a:extLst>
+            </a:blip>
+            <a:srcRect/>
+            <a:stretch>
+              <a:fillRect/>
+            </a:stretch>
+          </p:blipFill>
+          <p:spPr bwMode="auto">
+            <a:xfrm flipH="1">
+              <a:off x="1918916" y="4275471"/>
+              <a:ext cx="216024" cy="216024"/>
+            </a:xfrm>
+            <a:prstGeom prst="rect">
+              <a:avLst/>
+            </a:prstGeom>
+            <a:noFill/>
+            <a:extLst>
+              <a:ext uri="{909E8E84-426E-40DD-AFC4-6F175D3DCCD1}">
+                <a14:hiddenFill xmlns:a14="http://schemas.microsoft.com/office/drawing/2010/main">
+                  <a:solidFill>
+                    <a:srgbClr val="FFFFFF"/>
+                  </a:solidFill>
+                </a14:hiddenFill>
+              </a:ext>
+            </a:extLst>
+          </p:spPr>
+        </p:pic>
+        <p:sp>
+          <p:nvSpPr>
+            <p:cNvPr id="7" name="Dreptunghi rotunjit 6"/>
+            <p:cNvSpPr/>
+            <p:nvPr/>
+          </p:nvSpPr>
+          <p:spPr>
+            <a:xfrm>
+              <a:off x="2267744" y="4283742"/>
+              <a:ext cx="3024336" cy="216024"/>
+            </a:xfrm>
+            <a:prstGeom prst="roundRect">
+              <a:avLst/>
+            </a:prstGeom>
+            <a:noFill/>
+            <a:ln w="28575">
+              <a:solidFill>
+                <a:schemeClr val="bg2">
+                  <a:lumMod val="25000"/>
+                </a:schemeClr>
+              </a:solidFill>
+            </a:ln>
+          </p:spPr>
+          <p:style>
+            <a:lnRef idx="2">
+              <a:schemeClr val="accent1">
+                <a:shade val="50000"/>
+              </a:schemeClr>
+            </a:lnRef>
+            <a:fillRef idx="1">
+              <a:schemeClr val="accent1"/>
+            </a:fillRef>
+            <a:effectRef idx="0">
+              <a:schemeClr val="accent1"/>
+            </a:effectRef>
+            <a:fontRef idx="minor">
+              <a:schemeClr val="lt1"/>
+            </a:fontRef>
+          </p:style>
+          <p:txBody>
+            <a:bodyPr rtlCol="0" anchor="ctr"/>
+            <a:lstStyle/>
+            <a:p>
+              <a:pPr algn="ctr"/>
+              <a:endParaRPr lang="ro-RO"/>
+            </a:p>
+          </p:txBody>
+        </p:sp>
+        <p:sp>
+          <p:nvSpPr>
+            <p:cNvPr id="8" name="Dreptunghi rotunjit 7"/>
+            <p:cNvSpPr/>
+            <p:nvPr/>
+          </p:nvSpPr>
+          <p:spPr>
+            <a:xfrm>
+              <a:off x="1800929" y="2324336"/>
+              <a:ext cx="3734923" cy="1730673"/>
+            </a:xfrm>
+            <a:prstGeom prst="roundRect">
+              <a:avLst/>
+            </a:prstGeom>
+            <a:noFill/>
+            <a:ln w="19050"/>
+          </p:spPr>
+          <p:style>
+            <a:lnRef idx="2">
+              <a:schemeClr val="accent1">
+                <a:shade val="50000"/>
+              </a:schemeClr>
+            </a:lnRef>
+            <a:fillRef idx="1">
+              <a:schemeClr val="accent1"/>
+            </a:fillRef>
+            <a:effectRef idx="0">
+              <a:schemeClr val="accent1"/>
+            </a:effectRef>
+            <a:fontRef idx="minor">
+              <a:schemeClr val="lt1"/>
+            </a:fontRef>
+          </p:style>
+          <p:txBody>
+            <a:bodyPr rtlCol="0" anchor="ctr"/>
+            <a:lstStyle/>
+            <a:p>
+              <a:pPr algn="ctr"/>
+              <a:endParaRPr lang="ro-RO"/>
+            </a:p>
+          </p:txBody>
+        </p:sp>
+      </p:grpSp>
+      <p:sp>
+        <p:nvSpPr>
+          <p:cNvPr id="10" name="CasetăText 9"/>
+          <p:cNvSpPr txBox="1"/>
+          <p:nvPr/>
+        </p:nvSpPr>
+        <p:spPr>
+          <a:xfrm>
+            <a:off x="772274" y="3717032"/>
+            <a:ext cx="7416824" cy="1754326"/>
+          </a:xfrm>
+          <a:prstGeom prst="rect">
+            <a:avLst/>
+          </a:prstGeom>
+          <a:noFill/>
+        </p:spPr>
+        <p:txBody>
+          <a:bodyPr wrap="square" rtlCol="0">
+            <a:spAutoFit/>
+          </a:bodyPr>
+          <a:lstStyle/>
+          <a:p>
+            <a:pPr marL="285750" indent="-285750">
+              <a:buFont typeface="Arial" pitchFamily="34" charset="0"/>
+              <a:buChar char="•"/>
+            </a:pPr>
+            <a:endParaRPr lang="ro-RO" dirty="0" smtClean="0"/>
+          </a:p>
+          <a:p>
+            <a:pPr marL="285750" indent="-285750">
+              <a:buFont typeface="Arial" pitchFamily="34" charset="0"/>
+              <a:buChar char="•"/>
+            </a:pPr>
+            <a:r>
+              <a:rPr lang="ro-RO" dirty="0" smtClean="0"/>
+              <a:t>Înlocuirea </a:t>
+            </a:r>
+            <a:r>
+              <a:rPr lang="ro-RO" dirty="0"/>
+              <a:t>microcontrolerul butonului </a:t>
+            </a:r>
+            <a:r>
+              <a:rPr lang="ro-RO" dirty="0" smtClean="0"/>
+              <a:t>tactil, </a:t>
+            </a:r>
+            <a:r>
+              <a:rPr lang="ro-RO" dirty="0" err="1"/>
+              <a:t>Cypress</a:t>
+            </a:r>
+            <a:r>
+              <a:rPr lang="ro-RO" dirty="0"/>
+              <a:t> </a:t>
+            </a:r>
+            <a:r>
+              <a:rPr lang="ro-RO" dirty="0" smtClean="0"/>
+              <a:t>PSoC4, </a:t>
+            </a:r>
+            <a:r>
+              <a:rPr lang="ro-RO" dirty="0"/>
+              <a:t>de pe panoul de </a:t>
+            </a:r>
+            <a:r>
+              <a:rPr lang="ro-RO" dirty="0" smtClean="0"/>
+              <a:t>control, cu </a:t>
+            </a:r>
+            <a:r>
+              <a:rPr lang="ro-RO" dirty="0"/>
+              <a:t>microcontrolerul </a:t>
+            </a:r>
+            <a:r>
+              <a:rPr lang="ro-RO" dirty="0" err="1"/>
+              <a:t>Atmel</a:t>
+            </a:r>
+            <a:r>
+              <a:rPr lang="ro-RO" dirty="0"/>
+              <a:t> </a:t>
+            </a:r>
+            <a:r>
+              <a:rPr lang="ro-RO" dirty="0" err="1"/>
+              <a:t>AT-Tiny</a:t>
+            </a:r>
+            <a:r>
+              <a:rPr lang="ro-RO" dirty="0"/>
+              <a:t> </a:t>
+            </a:r>
+            <a:r>
+              <a:rPr lang="ro-RO" dirty="0" smtClean="0"/>
+              <a:t>T16160</a:t>
+            </a:r>
+          </a:p>
+          <a:p>
+            <a:pPr marL="285750" indent="-285750">
+              <a:buFont typeface="Arial" pitchFamily="34" charset="0"/>
+              <a:buChar char="•"/>
+            </a:pPr>
+            <a:endParaRPr lang="ro-RO" dirty="0" smtClean="0"/>
+          </a:p>
+          <a:p>
+            <a:pPr marL="285750" indent="-285750">
+              <a:buFont typeface="Arial" pitchFamily="34" charset="0"/>
+              <a:buChar char="•"/>
+            </a:pPr>
+            <a:r>
+              <a:rPr lang="ro-RO" dirty="0"/>
+              <a:t>D</a:t>
+            </a:r>
+            <a:r>
+              <a:rPr lang="ro-RO" dirty="0" smtClean="0"/>
+              <a:t>river-ul </a:t>
+            </a:r>
+            <a:r>
+              <a:rPr lang="ro-RO" dirty="0"/>
+              <a:t>de controlerului gazdă (</a:t>
+            </a:r>
+            <a:r>
+              <a:rPr lang="ro-RO" dirty="0" err="1"/>
+              <a:t>host</a:t>
+            </a:r>
+            <a:r>
+              <a:rPr lang="ro-RO" dirty="0"/>
+              <a:t> controller) nu trebuie să sufere nici o modificare</a:t>
+            </a:r>
+            <a:endParaRPr lang="ro-RO" dirty="0"/>
+          </a:p>
+        </p:txBody>
+      </p:sp>
+      <p:pic>
+        <p:nvPicPr>
+          <p:cNvPr id="1027" name="Picture 3" descr="C:\Users\HP\Desktop\poze_prezentare\chip.png"/>
+          <p:cNvPicPr>
+            <a:picLocks noChangeAspect="1" noChangeArrowheads="1"/>
+          </p:cNvPicPr>
+          <p:nvPr/>
+        </p:nvPicPr>
+        <p:blipFill>
+          <a:blip r:embed="rId3" cstate="print">
+            <a:extLst>
+              <a:ext uri="{28A0092B-C50C-407E-A947-70E740481C1C}">
+                <a14:useLocalDpi xmlns:a14="http://schemas.microsoft.com/office/drawing/2010/main" val="0"/>
+              </a:ext>
+            </a:extLst>
+          </a:blip>
+          <a:srcRect/>
+          <a:stretch>
+            <a:fillRect/>
+          </a:stretch>
+        </p:blipFill>
+        <p:spPr bwMode="auto">
+          <a:xfrm>
+            <a:off x="5110134" y="1664707"/>
+            <a:ext cx="819743" cy="819743"/>
+          </a:xfrm>
+          <a:prstGeom prst="rect">
+            <a:avLst/>
+          </a:prstGeom>
+          <a:noFill/>
+          <a:extLst>
+            <a:ext uri="{909E8E84-426E-40DD-AFC4-6F175D3DCCD1}">
+              <a14:hiddenFill xmlns:a14="http://schemas.microsoft.com/office/drawing/2010/main">
+                <a:solidFill>
+                  <a:srgbClr val="FFFFFF"/>
+                </a:solidFill>
+              </a14:hiddenFill>
+            </a:ext>
+          </a:extLst>
+        </p:spPr>
+      </p:pic>
+      <p:pic>
+        <p:nvPicPr>
+          <p:cNvPr id="1028" name="Picture 4" descr="C:\Users\HP\Desktop\poze_prezentare\chip1.png"/>
+          <p:cNvPicPr>
+            <a:picLocks noChangeAspect="1" noChangeArrowheads="1"/>
+          </p:cNvPicPr>
+          <p:nvPr/>
+        </p:nvPicPr>
+        <p:blipFill>
+          <a:blip r:embed="rId4" cstate="print">
+            <a:extLst>
+              <a:ext uri="{28A0092B-C50C-407E-A947-70E740481C1C}">
+                <a14:useLocalDpi xmlns:a14="http://schemas.microsoft.com/office/drawing/2010/main" val="0"/>
+              </a:ext>
+            </a:extLst>
+          </a:blip>
+          <a:srcRect/>
+          <a:stretch>
+            <a:fillRect/>
+          </a:stretch>
+        </p:blipFill>
+        <p:spPr bwMode="auto">
+          <a:xfrm>
+            <a:off x="5099861" y="1664862"/>
+            <a:ext cx="840291" cy="840291"/>
+          </a:xfrm>
+          <a:prstGeom prst="rect">
+            <a:avLst/>
+          </a:prstGeom>
+          <a:noFill/>
+          <a:extLst>
+            <a:ext uri="{909E8E84-426E-40DD-AFC4-6F175D3DCCD1}">
+              <a14:hiddenFill xmlns:a14="http://schemas.microsoft.com/office/drawing/2010/main">
+                <a:solidFill>
+                  <a:srgbClr val="FFFFFF"/>
+                </a:solidFill>
+              </a14:hiddenFill>
+            </a:ext>
+          </a:extLst>
+        </p:spPr>
+      </p:pic>
+      <p:pic>
+        <p:nvPicPr>
+          <p:cNvPr id="1029" name="Picture 5" descr="C:\Users\HP\Desktop\poze_prezentare\chip2.png"/>
+          <p:cNvPicPr>
+            <a:picLocks noChangeAspect="1" noChangeArrowheads="1"/>
+          </p:cNvPicPr>
+          <p:nvPr/>
+        </p:nvPicPr>
+        <p:blipFill>
+          <a:blip r:embed="rId5" cstate="print">
+            <a:extLst>
+              <a:ext uri="{28A0092B-C50C-407E-A947-70E740481C1C}">
+                <a14:useLocalDpi xmlns:a14="http://schemas.microsoft.com/office/drawing/2010/main" val="0"/>
+              </a:ext>
+            </a:extLst>
+          </a:blip>
+          <a:srcRect/>
+          <a:stretch>
+            <a:fillRect/>
+          </a:stretch>
+        </p:blipFill>
+        <p:spPr bwMode="auto">
+          <a:xfrm>
+            <a:off x="2843808" y="1685565"/>
+            <a:ext cx="798885" cy="798885"/>
+          </a:xfrm>
+          <a:prstGeom prst="rect">
+            <a:avLst/>
+          </a:prstGeom>
+          <a:noFill/>
+          <a:extLst>
+            <a:ext uri="{909E8E84-426E-40DD-AFC4-6F175D3DCCD1}">
+              <a14:hiddenFill xmlns:a14="http://schemas.microsoft.com/office/drawing/2010/main">
+                <a:solidFill>
+                  <a:srgbClr val="FFFFFF"/>
+                </a:solidFill>
+              </a14:hiddenFill>
+            </a:ext>
+          </a:extLst>
+        </p:spPr>
+      </p:pic>
+      <p:grpSp>
+        <p:nvGrpSpPr>
+          <p:cNvPr id="20" name="Grupare 19"/>
+          <p:cNvGrpSpPr/>
+          <p:nvPr/>
+        </p:nvGrpSpPr>
+        <p:grpSpPr>
+          <a:xfrm>
+            <a:off x="3775720" y="1739478"/>
+            <a:ext cx="1224136" cy="345530"/>
+            <a:chOff x="3775720" y="1739478"/>
+            <a:chExt cx="1224136" cy="345530"/>
+          </a:xfrm>
+        </p:grpSpPr>
+        <p:cxnSp>
+          <p:nvCxnSpPr>
+            <p:cNvPr id="12" name="Conector drept cu săgeată 11"/>
+            <p:cNvCxnSpPr/>
+            <p:nvPr/>
+          </p:nvCxnSpPr>
+          <p:spPr>
+            <a:xfrm>
+              <a:off x="3775720" y="2085008"/>
+              <a:ext cx="1224136" cy="0"/>
+            </a:xfrm>
+            <a:prstGeom prst="straightConnector1">
+              <a:avLst/>
+            </a:prstGeom>
+            <a:ln w="38100">
+              <a:headEnd type="arrow"/>
+              <a:tailEnd type="arrow"/>
+            </a:ln>
+          </p:spPr>
+          <p:style>
+            <a:lnRef idx="1">
+              <a:schemeClr val="accent1"/>
+            </a:lnRef>
+            <a:fillRef idx="0">
+              <a:schemeClr val="accent1"/>
+            </a:fillRef>
+            <a:effectRef idx="0">
+              <a:schemeClr val="accent1"/>
+            </a:effectRef>
+            <a:fontRef idx="minor">
+              <a:schemeClr val="tx1"/>
+            </a:fontRef>
+          </p:style>
+        </p:cxnSp>
+        <p:sp>
+          <p:nvSpPr>
+            <p:cNvPr id="14" name="CasetăText 13"/>
+            <p:cNvSpPr txBox="1"/>
+            <p:nvPr/>
+          </p:nvSpPr>
+          <p:spPr>
+            <a:xfrm>
+              <a:off x="4091407" y="1739478"/>
+              <a:ext cx="592762" cy="276999"/>
+            </a:xfrm>
+            <a:prstGeom prst="rect">
+              <a:avLst/>
+            </a:prstGeom>
+            <a:noFill/>
+          </p:spPr>
+          <p:txBody>
+            <a:bodyPr wrap="square" rtlCol="0">
+              <a:spAutoFit/>
+            </a:bodyPr>
+            <a:lstStyle/>
+            <a:p>
+              <a:pPr algn="ctr"/>
+              <a:r>
+                <a:rPr lang="ro-RO" sz="1200" b="1" dirty="0" smtClean="0">
+                  <a:effectLst>
+                    <a:outerShdw blurRad="38100" dist="38100" dir="2700000" algn="tl">
+                      <a:srgbClr val="000000">
+                        <a:alpha val="43137"/>
+                      </a:srgbClr>
+                    </a:outerShdw>
+                  </a:effectLst>
+                </a:rPr>
+                <a:t>TWI</a:t>
+              </a:r>
+              <a:endParaRPr lang="ro-RO" sz="1200" b="1" dirty="0">
+                <a:effectLst>
+                  <a:outerShdw blurRad="38100" dist="38100" dir="2700000" algn="tl">
+                    <a:srgbClr val="000000">
+                      <a:alpha val="43137"/>
+                    </a:srgbClr>
+                  </a:outerShdw>
+                </a:effectLst>
+              </a:endParaRPr>
+            </a:p>
+          </p:txBody>
+        </p:sp>
+      </p:grpSp>
+      <p:cxnSp>
+        <p:nvCxnSpPr>
+          <p:cNvPr id="16" name="Conector drept cu săgeată 15"/>
+          <p:cNvCxnSpPr/>
+          <p:nvPr/>
+        </p:nvCxnSpPr>
+        <p:spPr>
+          <a:xfrm>
+            <a:off x="1691680" y="1219672"/>
+            <a:ext cx="1152128" cy="519806"/>
+          </a:xfrm>
+          <a:prstGeom prst="straightConnector1">
+            <a:avLst/>
+          </a:prstGeom>
+          <a:ln w="38100">
+            <a:tailEnd type="arrow"/>
+          </a:ln>
+        </p:spPr>
+        <p:style>
+          <a:lnRef idx="1">
+            <a:schemeClr val="accent1"/>
+          </a:lnRef>
+          <a:fillRef idx="0">
+            <a:schemeClr val="accent1"/>
+          </a:fillRef>
+          <a:effectRef idx="0">
+            <a:schemeClr val="accent1"/>
+          </a:effectRef>
+          <a:fontRef idx="minor">
+            <a:schemeClr val="tx1"/>
+          </a:fontRef>
+        </p:style>
+      </p:cxnSp>
+      <p:sp>
+        <p:nvSpPr>
+          <p:cNvPr id="17" name="CasetăText 16"/>
+          <p:cNvSpPr txBox="1"/>
+          <p:nvPr/>
+        </p:nvSpPr>
+        <p:spPr>
+          <a:xfrm>
+            <a:off x="1135088" y="929368"/>
+            <a:ext cx="720080" cy="369332"/>
+          </a:xfrm>
+          <a:prstGeom prst="rect">
+            <a:avLst/>
+          </a:prstGeom>
+          <a:noFill/>
+        </p:spPr>
+        <p:txBody>
+          <a:bodyPr wrap="square" rtlCol="0">
+            <a:spAutoFit/>
+          </a:bodyPr>
+          <a:lstStyle/>
+          <a:p>
+            <a:pPr algn="ctr"/>
+            <a:r>
+              <a:rPr lang="ro-RO" b="1" dirty="0" smtClean="0"/>
+              <a:t>HC</a:t>
+            </a:r>
+            <a:endParaRPr lang="ro-RO" b="1" dirty="0"/>
+          </a:p>
+        </p:txBody>
+      </p:sp>
+      <p:cxnSp>
+        <p:nvCxnSpPr>
+          <p:cNvPr id="22" name="Conector drept cu săgeată 21"/>
+          <p:cNvCxnSpPr/>
+          <p:nvPr/>
+        </p:nvCxnSpPr>
+        <p:spPr>
+          <a:xfrm flipH="1">
+            <a:off x="5997600" y="1090800"/>
+            <a:ext cx="1087094" cy="667382"/>
+          </a:xfrm>
+          <a:prstGeom prst="straightConnector1">
+            <a:avLst/>
+          </a:prstGeom>
+          <a:ln w="38100">
+            <a:tailEnd type="arrow"/>
+          </a:ln>
+        </p:spPr>
+        <p:style>
+          <a:lnRef idx="1">
+            <a:schemeClr val="accent1"/>
+          </a:lnRef>
+          <a:fillRef idx="0">
+            <a:schemeClr val="accent1"/>
+          </a:fillRef>
+          <a:effectRef idx="0">
+            <a:schemeClr val="accent1"/>
+          </a:effectRef>
+          <a:fontRef idx="minor">
+            <a:schemeClr val="tx1"/>
+          </a:fontRef>
+        </p:style>
+      </p:cxnSp>
+      <p:sp>
+        <p:nvSpPr>
+          <p:cNvPr id="25" name="CasetăText 24"/>
+          <p:cNvSpPr txBox="1"/>
+          <p:nvPr/>
+        </p:nvSpPr>
+        <p:spPr>
+          <a:xfrm>
+            <a:off x="6876256" y="834971"/>
+            <a:ext cx="720080" cy="369332"/>
+          </a:xfrm>
+          <a:prstGeom prst="rect">
+            <a:avLst/>
+          </a:prstGeom>
+          <a:noFill/>
+        </p:spPr>
+        <p:txBody>
+          <a:bodyPr wrap="square" rtlCol="0">
+            <a:spAutoFit/>
+          </a:bodyPr>
+          <a:lstStyle/>
+          <a:p>
+            <a:pPr algn="ctr"/>
+            <a:r>
+              <a:rPr lang="ro-RO" b="1" dirty="0" smtClean="0"/>
+              <a:t>TC</a:t>
+            </a:r>
+            <a:endParaRPr lang="ro-RO" b="1" dirty="0"/>
+          </a:p>
+        </p:txBody>
+      </p:sp>
     </p:spTree>
     <p:extLst>
       <p:ext uri="{BB962C8B-B14F-4D97-AF65-F5344CB8AC3E}">
@@ -17024,6 +18129,1399 @@
                             </p:childTnLst>
                           </p:cTn>
                         </p:par>
+                        <p:par>
+                          <p:cTn id="7" fill="hold">
+                            <p:stCondLst>
+                              <p:cond delay="500"/>
+                            </p:stCondLst>
+                            <p:childTnLst>
+                              <p:par>
+                                <p:cTn id="8" presetID="53" presetClass="entr" presetSubtype="16" fill="hold" nodeType="afterEffect">
+                                  <p:stCondLst>
+                                    <p:cond delay="0"/>
+                                  </p:stCondLst>
+                                  <p:childTnLst>
+                                    <p:set>
+                                      <p:cBhvr>
+                                        <p:cTn id="9" dur="1" fill="hold">
+                                          <p:stCondLst>
+                                            <p:cond delay="0"/>
+                                          </p:stCondLst>
+                                        </p:cTn>
+                                        <p:tgtEl>
+                                          <p:spTgt spid="9"/>
+                                        </p:tgtEl>
+                                        <p:attrNameLst>
+                                          <p:attrName>style.visibility</p:attrName>
+                                        </p:attrNameLst>
+                                      </p:cBhvr>
+                                      <p:to>
+                                        <p:strVal val="visible"/>
+                                      </p:to>
+                                    </p:set>
+                                    <p:anim calcmode="lin" valueType="num">
+                                      <p:cBhvr>
+                                        <p:cTn id="10" dur="500" fill="hold"/>
+                                        <p:tgtEl>
+                                          <p:spTgt spid="9"/>
+                                        </p:tgtEl>
+                                        <p:attrNameLst>
+                                          <p:attrName>ppt_w</p:attrName>
+                                        </p:attrNameLst>
+                                      </p:cBhvr>
+                                      <p:tavLst>
+                                        <p:tav tm="0">
+                                          <p:val>
+                                            <p:fltVal val="0"/>
+                                          </p:val>
+                                        </p:tav>
+                                        <p:tav tm="100000">
+                                          <p:val>
+                                            <p:strVal val="#ppt_w"/>
+                                          </p:val>
+                                        </p:tav>
+                                      </p:tavLst>
+                                    </p:anim>
+                                    <p:anim calcmode="lin" valueType="num">
+                                      <p:cBhvr>
+                                        <p:cTn id="11" dur="500" fill="hold"/>
+                                        <p:tgtEl>
+                                          <p:spTgt spid="9"/>
+                                        </p:tgtEl>
+                                        <p:attrNameLst>
+                                          <p:attrName>ppt_h</p:attrName>
+                                        </p:attrNameLst>
+                                      </p:cBhvr>
+                                      <p:tavLst>
+                                        <p:tav tm="0">
+                                          <p:val>
+                                            <p:fltVal val="0"/>
+                                          </p:val>
+                                        </p:tav>
+                                        <p:tav tm="100000">
+                                          <p:val>
+                                            <p:strVal val="#ppt_h"/>
+                                          </p:val>
+                                        </p:tav>
+                                      </p:tavLst>
+                                    </p:anim>
+                                    <p:animEffect transition="in" filter="fade">
+                                      <p:cBhvr>
+                                        <p:cTn id="12" dur="500"/>
+                                        <p:tgtEl>
+                                          <p:spTgt spid="9"/>
+                                        </p:tgtEl>
+                                      </p:cBhvr>
+                                    </p:animEffect>
+                                  </p:childTnLst>
+                                </p:cTn>
+                              </p:par>
+                            </p:childTnLst>
+                          </p:cTn>
+                        </p:par>
+                        <p:par>
+                          <p:cTn id="13" fill="hold">
+                            <p:stCondLst>
+                              <p:cond delay="1000"/>
+                            </p:stCondLst>
+                            <p:childTnLst>
+                              <p:par>
+                                <p:cTn id="14" presetID="53" presetClass="entr" presetSubtype="16" fill="hold" nodeType="afterEffect">
+                                  <p:stCondLst>
+                                    <p:cond delay="0"/>
+                                  </p:stCondLst>
+                                  <p:childTnLst>
+                                    <p:set>
+                                      <p:cBhvr>
+                                        <p:cTn id="15" dur="1" fill="hold">
+                                          <p:stCondLst>
+                                            <p:cond delay="0"/>
+                                          </p:stCondLst>
+                                        </p:cTn>
+                                        <p:tgtEl>
+                                          <p:spTgt spid="1029"/>
+                                        </p:tgtEl>
+                                        <p:attrNameLst>
+                                          <p:attrName>style.visibility</p:attrName>
+                                        </p:attrNameLst>
+                                      </p:cBhvr>
+                                      <p:to>
+                                        <p:strVal val="visible"/>
+                                      </p:to>
+                                    </p:set>
+                                    <p:anim calcmode="lin" valueType="num">
+                                      <p:cBhvr>
+                                        <p:cTn id="16" dur="500" fill="hold"/>
+                                        <p:tgtEl>
+                                          <p:spTgt spid="1029"/>
+                                        </p:tgtEl>
+                                        <p:attrNameLst>
+                                          <p:attrName>ppt_w</p:attrName>
+                                        </p:attrNameLst>
+                                      </p:cBhvr>
+                                      <p:tavLst>
+                                        <p:tav tm="0">
+                                          <p:val>
+                                            <p:fltVal val="0"/>
+                                          </p:val>
+                                        </p:tav>
+                                        <p:tav tm="100000">
+                                          <p:val>
+                                            <p:strVal val="#ppt_w"/>
+                                          </p:val>
+                                        </p:tav>
+                                      </p:tavLst>
+                                    </p:anim>
+                                    <p:anim calcmode="lin" valueType="num">
+                                      <p:cBhvr>
+                                        <p:cTn id="17" dur="500" fill="hold"/>
+                                        <p:tgtEl>
+                                          <p:spTgt spid="1029"/>
+                                        </p:tgtEl>
+                                        <p:attrNameLst>
+                                          <p:attrName>ppt_h</p:attrName>
+                                        </p:attrNameLst>
+                                      </p:cBhvr>
+                                      <p:tavLst>
+                                        <p:tav tm="0">
+                                          <p:val>
+                                            <p:fltVal val="0"/>
+                                          </p:val>
+                                        </p:tav>
+                                        <p:tav tm="100000">
+                                          <p:val>
+                                            <p:strVal val="#ppt_h"/>
+                                          </p:val>
+                                        </p:tav>
+                                      </p:tavLst>
+                                    </p:anim>
+                                    <p:animEffect transition="in" filter="fade">
+                                      <p:cBhvr>
+                                        <p:cTn id="18" dur="500"/>
+                                        <p:tgtEl>
+                                          <p:spTgt spid="1029"/>
+                                        </p:tgtEl>
+                                      </p:cBhvr>
+                                    </p:animEffect>
+                                  </p:childTnLst>
+                                </p:cTn>
+                              </p:par>
+                            </p:childTnLst>
+                          </p:cTn>
+                        </p:par>
+                        <p:par>
+                          <p:cTn id="19" fill="hold">
+                            <p:stCondLst>
+                              <p:cond delay="1500"/>
+                            </p:stCondLst>
+                            <p:childTnLst>
+                              <p:par>
+                                <p:cTn id="20" presetID="53" presetClass="entr" presetSubtype="16" fill="hold" nodeType="afterEffect">
+                                  <p:stCondLst>
+                                    <p:cond delay="0"/>
+                                  </p:stCondLst>
+                                  <p:childTnLst>
+                                    <p:set>
+                                      <p:cBhvr>
+                                        <p:cTn id="21" dur="1" fill="hold">
+                                          <p:stCondLst>
+                                            <p:cond delay="0"/>
+                                          </p:stCondLst>
+                                        </p:cTn>
+                                        <p:tgtEl>
+                                          <p:spTgt spid="1028"/>
+                                        </p:tgtEl>
+                                        <p:attrNameLst>
+                                          <p:attrName>style.visibility</p:attrName>
+                                        </p:attrNameLst>
+                                      </p:cBhvr>
+                                      <p:to>
+                                        <p:strVal val="visible"/>
+                                      </p:to>
+                                    </p:set>
+                                    <p:anim calcmode="lin" valueType="num">
+                                      <p:cBhvr>
+                                        <p:cTn id="22" dur="500" fill="hold"/>
+                                        <p:tgtEl>
+                                          <p:spTgt spid="1028"/>
+                                        </p:tgtEl>
+                                        <p:attrNameLst>
+                                          <p:attrName>ppt_w</p:attrName>
+                                        </p:attrNameLst>
+                                      </p:cBhvr>
+                                      <p:tavLst>
+                                        <p:tav tm="0">
+                                          <p:val>
+                                            <p:fltVal val="0"/>
+                                          </p:val>
+                                        </p:tav>
+                                        <p:tav tm="100000">
+                                          <p:val>
+                                            <p:strVal val="#ppt_w"/>
+                                          </p:val>
+                                        </p:tav>
+                                      </p:tavLst>
+                                    </p:anim>
+                                    <p:anim calcmode="lin" valueType="num">
+                                      <p:cBhvr>
+                                        <p:cTn id="23" dur="500" fill="hold"/>
+                                        <p:tgtEl>
+                                          <p:spTgt spid="1028"/>
+                                        </p:tgtEl>
+                                        <p:attrNameLst>
+                                          <p:attrName>ppt_h</p:attrName>
+                                        </p:attrNameLst>
+                                      </p:cBhvr>
+                                      <p:tavLst>
+                                        <p:tav tm="0">
+                                          <p:val>
+                                            <p:fltVal val="0"/>
+                                          </p:val>
+                                        </p:tav>
+                                        <p:tav tm="100000">
+                                          <p:val>
+                                            <p:strVal val="#ppt_h"/>
+                                          </p:val>
+                                        </p:tav>
+                                      </p:tavLst>
+                                    </p:anim>
+                                    <p:animEffect transition="in" filter="fade">
+                                      <p:cBhvr>
+                                        <p:cTn id="24" dur="500"/>
+                                        <p:tgtEl>
+                                          <p:spTgt spid="1028"/>
+                                        </p:tgtEl>
+                                      </p:cBhvr>
+                                    </p:animEffect>
+                                  </p:childTnLst>
+                                </p:cTn>
+                              </p:par>
+                            </p:childTnLst>
+                          </p:cTn>
+                        </p:par>
+                        <p:par>
+                          <p:cTn id="25" fill="hold">
+                            <p:stCondLst>
+                              <p:cond delay="2000"/>
+                            </p:stCondLst>
+                            <p:childTnLst>
+                              <p:par>
+                                <p:cTn id="26" presetID="22" presetClass="entr" presetSubtype="8" fill="hold" nodeType="afterEffect">
+                                  <p:stCondLst>
+                                    <p:cond delay="0"/>
+                                  </p:stCondLst>
+                                  <p:childTnLst>
+                                    <p:set>
+                                      <p:cBhvr>
+                                        <p:cTn id="27" dur="1" fill="hold">
+                                          <p:stCondLst>
+                                            <p:cond delay="0"/>
+                                          </p:stCondLst>
+                                        </p:cTn>
+                                        <p:tgtEl>
+                                          <p:spTgt spid="16"/>
+                                        </p:tgtEl>
+                                        <p:attrNameLst>
+                                          <p:attrName>style.visibility</p:attrName>
+                                        </p:attrNameLst>
+                                      </p:cBhvr>
+                                      <p:to>
+                                        <p:strVal val="visible"/>
+                                      </p:to>
+                                    </p:set>
+                                    <p:animEffect transition="in" filter="wipe(left)">
+                                      <p:cBhvr>
+                                        <p:cTn id="28" dur="500"/>
+                                        <p:tgtEl>
+                                          <p:spTgt spid="16"/>
+                                        </p:tgtEl>
+                                      </p:cBhvr>
+                                    </p:animEffect>
+                                  </p:childTnLst>
+                                </p:cTn>
+                              </p:par>
+                            </p:childTnLst>
+                          </p:cTn>
+                        </p:par>
+                        <p:par>
+                          <p:cTn id="29" fill="hold">
+                            <p:stCondLst>
+                              <p:cond delay="2500"/>
+                            </p:stCondLst>
+                            <p:childTnLst>
+                              <p:par>
+                                <p:cTn id="30" presetID="53" presetClass="entr" presetSubtype="16" fill="hold" grpId="0" nodeType="afterEffect">
+                                  <p:stCondLst>
+                                    <p:cond delay="0"/>
+                                  </p:stCondLst>
+                                  <p:childTnLst>
+                                    <p:set>
+                                      <p:cBhvr>
+                                        <p:cTn id="31" dur="1" fill="hold">
+                                          <p:stCondLst>
+                                            <p:cond delay="0"/>
+                                          </p:stCondLst>
+                                        </p:cTn>
+                                        <p:tgtEl>
+                                          <p:spTgt spid="17"/>
+                                        </p:tgtEl>
+                                        <p:attrNameLst>
+                                          <p:attrName>style.visibility</p:attrName>
+                                        </p:attrNameLst>
+                                      </p:cBhvr>
+                                      <p:to>
+                                        <p:strVal val="visible"/>
+                                      </p:to>
+                                    </p:set>
+                                    <p:anim calcmode="lin" valueType="num">
+                                      <p:cBhvr>
+                                        <p:cTn id="32" dur="500" fill="hold"/>
+                                        <p:tgtEl>
+                                          <p:spTgt spid="17"/>
+                                        </p:tgtEl>
+                                        <p:attrNameLst>
+                                          <p:attrName>ppt_w</p:attrName>
+                                        </p:attrNameLst>
+                                      </p:cBhvr>
+                                      <p:tavLst>
+                                        <p:tav tm="0">
+                                          <p:val>
+                                            <p:fltVal val="0"/>
+                                          </p:val>
+                                        </p:tav>
+                                        <p:tav tm="100000">
+                                          <p:val>
+                                            <p:strVal val="#ppt_w"/>
+                                          </p:val>
+                                        </p:tav>
+                                      </p:tavLst>
+                                    </p:anim>
+                                    <p:anim calcmode="lin" valueType="num">
+                                      <p:cBhvr>
+                                        <p:cTn id="33" dur="500" fill="hold"/>
+                                        <p:tgtEl>
+                                          <p:spTgt spid="17"/>
+                                        </p:tgtEl>
+                                        <p:attrNameLst>
+                                          <p:attrName>ppt_h</p:attrName>
+                                        </p:attrNameLst>
+                                      </p:cBhvr>
+                                      <p:tavLst>
+                                        <p:tav tm="0">
+                                          <p:val>
+                                            <p:fltVal val="0"/>
+                                          </p:val>
+                                        </p:tav>
+                                        <p:tav tm="100000">
+                                          <p:val>
+                                            <p:strVal val="#ppt_h"/>
+                                          </p:val>
+                                        </p:tav>
+                                      </p:tavLst>
+                                    </p:anim>
+                                    <p:animEffect transition="in" filter="fade">
+                                      <p:cBhvr>
+                                        <p:cTn id="34" dur="500"/>
+                                        <p:tgtEl>
+                                          <p:spTgt spid="17"/>
+                                        </p:tgtEl>
+                                      </p:cBhvr>
+                                    </p:animEffect>
+                                  </p:childTnLst>
+                                </p:cTn>
+                              </p:par>
+                            </p:childTnLst>
+                          </p:cTn>
+                        </p:par>
+                        <p:par>
+                          <p:cTn id="35" fill="hold">
+                            <p:stCondLst>
+                              <p:cond delay="3000"/>
+                            </p:stCondLst>
+                            <p:childTnLst>
+                              <p:par>
+                                <p:cTn id="36" presetID="22" presetClass="entr" presetSubtype="2" fill="hold" nodeType="afterEffect">
+                                  <p:stCondLst>
+                                    <p:cond delay="0"/>
+                                  </p:stCondLst>
+                                  <p:childTnLst>
+                                    <p:set>
+                                      <p:cBhvr>
+                                        <p:cTn id="37" dur="1" fill="hold">
+                                          <p:stCondLst>
+                                            <p:cond delay="0"/>
+                                          </p:stCondLst>
+                                        </p:cTn>
+                                        <p:tgtEl>
+                                          <p:spTgt spid="22"/>
+                                        </p:tgtEl>
+                                        <p:attrNameLst>
+                                          <p:attrName>style.visibility</p:attrName>
+                                        </p:attrNameLst>
+                                      </p:cBhvr>
+                                      <p:to>
+                                        <p:strVal val="visible"/>
+                                      </p:to>
+                                    </p:set>
+                                    <p:animEffect transition="in" filter="wipe(right)">
+                                      <p:cBhvr>
+                                        <p:cTn id="38" dur="500"/>
+                                        <p:tgtEl>
+                                          <p:spTgt spid="22"/>
+                                        </p:tgtEl>
+                                      </p:cBhvr>
+                                    </p:animEffect>
+                                  </p:childTnLst>
+                                </p:cTn>
+                              </p:par>
+                            </p:childTnLst>
+                          </p:cTn>
+                        </p:par>
+                        <p:par>
+                          <p:cTn id="39" fill="hold">
+                            <p:stCondLst>
+                              <p:cond delay="3500"/>
+                            </p:stCondLst>
+                            <p:childTnLst>
+                              <p:par>
+                                <p:cTn id="40" presetID="53" presetClass="entr" presetSubtype="16" fill="hold" grpId="0" nodeType="afterEffect">
+                                  <p:stCondLst>
+                                    <p:cond delay="0"/>
+                                  </p:stCondLst>
+                                  <p:childTnLst>
+                                    <p:set>
+                                      <p:cBhvr>
+                                        <p:cTn id="41" dur="1" fill="hold">
+                                          <p:stCondLst>
+                                            <p:cond delay="0"/>
+                                          </p:stCondLst>
+                                        </p:cTn>
+                                        <p:tgtEl>
+                                          <p:spTgt spid="25"/>
+                                        </p:tgtEl>
+                                        <p:attrNameLst>
+                                          <p:attrName>style.visibility</p:attrName>
+                                        </p:attrNameLst>
+                                      </p:cBhvr>
+                                      <p:to>
+                                        <p:strVal val="visible"/>
+                                      </p:to>
+                                    </p:set>
+                                    <p:anim calcmode="lin" valueType="num">
+                                      <p:cBhvr>
+                                        <p:cTn id="42" dur="500" fill="hold"/>
+                                        <p:tgtEl>
+                                          <p:spTgt spid="25"/>
+                                        </p:tgtEl>
+                                        <p:attrNameLst>
+                                          <p:attrName>ppt_w</p:attrName>
+                                        </p:attrNameLst>
+                                      </p:cBhvr>
+                                      <p:tavLst>
+                                        <p:tav tm="0">
+                                          <p:val>
+                                            <p:fltVal val="0"/>
+                                          </p:val>
+                                        </p:tav>
+                                        <p:tav tm="100000">
+                                          <p:val>
+                                            <p:strVal val="#ppt_w"/>
+                                          </p:val>
+                                        </p:tav>
+                                      </p:tavLst>
+                                    </p:anim>
+                                    <p:anim calcmode="lin" valueType="num">
+                                      <p:cBhvr>
+                                        <p:cTn id="43" dur="500" fill="hold"/>
+                                        <p:tgtEl>
+                                          <p:spTgt spid="25"/>
+                                        </p:tgtEl>
+                                        <p:attrNameLst>
+                                          <p:attrName>ppt_h</p:attrName>
+                                        </p:attrNameLst>
+                                      </p:cBhvr>
+                                      <p:tavLst>
+                                        <p:tav tm="0">
+                                          <p:val>
+                                            <p:fltVal val="0"/>
+                                          </p:val>
+                                        </p:tav>
+                                        <p:tav tm="100000">
+                                          <p:val>
+                                            <p:strVal val="#ppt_h"/>
+                                          </p:val>
+                                        </p:tav>
+                                      </p:tavLst>
+                                    </p:anim>
+                                    <p:animEffect transition="in" filter="fade">
+                                      <p:cBhvr>
+                                        <p:cTn id="44" dur="500"/>
+                                        <p:tgtEl>
+                                          <p:spTgt spid="25"/>
+                                        </p:tgtEl>
+                                      </p:cBhvr>
+                                    </p:animEffect>
+                                  </p:childTnLst>
+                                </p:cTn>
+                              </p:par>
+                            </p:childTnLst>
+                          </p:cTn>
+                        </p:par>
+                        <p:par>
+                          <p:cTn id="45" fill="hold">
+                            <p:stCondLst>
+                              <p:cond delay="4000"/>
+                            </p:stCondLst>
+                            <p:childTnLst>
+                              <p:par>
+                                <p:cTn id="46" presetID="53" presetClass="entr" presetSubtype="16" fill="hold" nodeType="afterEffect">
+                                  <p:stCondLst>
+                                    <p:cond delay="0"/>
+                                  </p:stCondLst>
+                                  <p:childTnLst>
+                                    <p:set>
+                                      <p:cBhvr>
+                                        <p:cTn id="47" dur="1" fill="hold">
+                                          <p:stCondLst>
+                                            <p:cond delay="0"/>
+                                          </p:stCondLst>
+                                        </p:cTn>
+                                        <p:tgtEl>
+                                          <p:spTgt spid="20"/>
+                                        </p:tgtEl>
+                                        <p:attrNameLst>
+                                          <p:attrName>style.visibility</p:attrName>
+                                        </p:attrNameLst>
+                                      </p:cBhvr>
+                                      <p:to>
+                                        <p:strVal val="visible"/>
+                                      </p:to>
+                                    </p:set>
+                                    <p:anim calcmode="lin" valueType="num">
+                                      <p:cBhvr>
+                                        <p:cTn id="48" dur="500" fill="hold"/>
+                                        <p:tgtEl>
+                                          <p:spTgt spid="20"/>
+                                        </p:tgtEl>
+                                        <p:attrNameLst>
+                                          <p:attrName>ppt_w</p:attrName>
+                                        </p:attrNameLst>
+                                      </p:cBhvr>
+                                      <p:tavLst>
+                                        <p:tav tm="0">
+                                          <p:val>
+                                            <p:fltVal val="0"/>
+                                          </p:val>
+                                        </p:tav>
+                                        <p:tav tm="100000">
+                                          <p:val>
+                                            <p:strVal val="#ppt_w"/>
+                                          </p:val>
+                                        </p:tav>
+                                      </p:tavLst>
+                                    </p:anim>
+                                    <p:anim calcmode="lin" valueType="num">
+                                      <p:cBhvr>
+                                        <p:cTn id="49" dur="500" fill="hold"/>
+                                        <p:tgtEl>
+                                          <p:spTgt spid="20"/>
+                                        </p:tgtEl>
+                                        <p:attrNameLst>
+                                          <p:attrName>ppt_h</p:attrName>
+                                        </p:attrNameLst>
+                                      </p:cBhvr>
+                                      <p:tavLst>
+                                        <p:tav tm="0">
+                                          <p:val>
+                                            <p:fltVal val="0"/>
+                                          </p:val>
+                                        </p:tav>
+                                        <p:tav tm="100000">
+                                          <p:val>
+                                            <p:strVal val="#ppt_h"/>
+                                          </p:val>
+                                        </p:tav>
+                                      </p:tavLst>
+                                    </p:anim>
+                                    <p:animEffect transition="in" filter="fade">
+                                      <p:cBhvr>
+                                        <p:cTn id="50" dur="500"/>
+                                        <p:tgtEl>
+                                          <p:spTgt spid="20"/>
+                                        </p:tgtEl>
+                                      </p:cBhvr>
+                                    </p:animEffect>
+                                  </p:childTnLst>
+                                </p:cTn>
+                              </p:par>
+                            </p:childTnLst>
+                          </p:cTn>
+                        </p:par>
+                      </p:childTnLst>
+                    </p:cTn>
+                  </p:par>
+                  <p:par>
+                    <p:cTn id="51" fill="hold">
+                      <p:stCondLst>
+                        <p:cond delay="indefinite"/>
+                      </p:stCondLst>
+                      <p:childTnLst>
+                        <p:par>
+                          <p:cTn id="52" fill="hold">
+                            <p:stCondLst>
+                              <p:cond delay="0"/>
+                            </p:stCondLst>
+                            <p:childTnLst>
+                              <p:par>
+                                <p:cTn id="53" presetID="53" presetClass="entr" presetSubtype="16" fill="hold" grpId="0" nodeType="clickEffect">
+                                  <p:stCondLst>
+                                    <p:cond delay="0"/>
+                                  </p:stCondLst>
+                                  <p:childTnLst>
+                                    <p:set>
+                                      <p:cBhvr>
+                                        <p:cTn id="54" dur="1" fill="hold">
+                                          <p:stCondLst>
+                                            <p:cond delay="0"/>
+                                          </p:stCondLst>
+                                        </p:cTn>
+                                        <p:tgtEl>
+                                          <p:spTgt spid="10"/>
+                                        </p:tgtEl>
+                                        <p:attrNameLst>
+                                          <p:attrName>style.visibility</p:attrName>
+                                        </p:attrNameLst>
+                                      </p:cBhvr>
+                                      <p:to>
+                                        <p:strVal val="visible"/>
+                                      </p:to>
+                                    </p:set>
+                                    <p:anim calcmode="lin" valueType="num">
+                                      <p:cBhvr>
+                                        <p:cTn id="55" dur="500" fill="hold"/>
+                                        <p:tgtEl>
+                                          <p:spTgt spid="10"/>
+                                        </p:tgtEl>
+                                        <p:attrNameLst>
+                                          <p:attrName>ppt_w</p:attrName>
+                                        </p:attrNameLst>
+                                      </p:cBhvr>
+                                      <p:tavLst>
+                                        <p:tav tm="0">
+                                          <p:val>
+                                            <p:fltVal val="0"/>
+                                          </p:val>
+                                        </p:tav>
+                                        <p:tav tm="100000">
+                                          <p:val>
+                                            <p:strVal val="#ppt_w"/>
+                                          </p:val>
+                                        </p:tav>
+                                      </p:tavLst>
+                                    </p:anim>
+                                    <p:anim calcmode="lin" valueType="num">
+                                      <p:cBhvr>
+                                        <p:cTn id="56" dur="500" fill="hold"/>
+                                        <p:tgtEl>
+                                          <p:spTgt spid="10"/>
+                                        </p:tgtEl>
+                                        <p:attrNameLst>
+                                          <p:attrName>ppt_h</p:attrName>
+                                        </p:attrNameLst>
+                                      </p:cBhvr>
+                                      <p:tavLst>
+                                        <p:tav tm="0">
+                                          <p:val>
+                                            <p:fltVal val="0"/>
+                                          </p:val>
+                                        </p:tav>
+                                        <p:tav tm="100000">
+                                          <p:val>
+                                            <p:strVal val="#ppt_h"/>
+                                          </p:val>
+                                        </p:tav>
+                                      </p:tavLst>
+                                    </p:anim>
+                                    <p:animEffect transition="in" filter="fade">
+                                      <p:cBhvr>
+                                        <p:cTn id="57" dur="500"/>
+                                        <p:tgtEl>
+                                          <p:spTgt spid="10"/>
+                                        </p:tgtEl>
+                                      </p:cBhvr>
+                                    </p:animEffect>
+                                  </p:childTnLst>
+                                </p:cTn>
+                              </p:par>
+                            </p:childTnLst>
+                          </p:cTn>
+                        </p:par>
+                        <p:par>
+                          <p:cTn id="58" fill="hold">
+                            <p:stCondLst>
+                              <p:cond delay="500"/>
+                            </p:stCondLst>
+                            <p:childTnLst>
+                              <p:par>
+                                <p:cTn id="59" presetID="2" presetClass="exit" presetSubtype="2" fill="hold" nodeType="afterEffect">
+                                  <p:stCondLst>
+                                    <p:cond delay="900"/>
+                                  </p:stCondLst>
+                                  <p:childTnLst>
+                                    <p:anim calcmode="lin" valueType="num">
+                                      <p:cBhvr additive="base">
+                                        <p:cTn id="60" dur="500"/>
+                                        <p:tgtEl>
+                                          <p:spTgt spid="1028"/>
+                                        </p:tgtEl>
+                                        <p:attrNameLst>
+                                          <p:attrName>ppt_x</p:attrName>
+                                        </p:attrNameLst>
+                                      </p:cBhvr>
+                                      <p:tavLst>
+                                        <p:tav tm="0">
+                                          <p:val>
+                                            <p:strVal val="ppt_x"/>
+                                          </p:val>
+                                        </p:tav>
+                                        <p:tav tm="100000">
+                                          <p:val>
+                                            <p:strVal val="1+ppt_w/2"/>
+                                          </p:val>
+                                        </p:tav>
+                                      </p:tavLst>
+                                    </p:anim>
+                                    <p:anim calcmode="lin" valueType="num">
+                                      <p:cBhvr additive="base">
+                                        <p:cTn id="61" dur="500"/>
+                                        <p:tgtEl>
+                                          <p:spTgt spid="1028"/>
+                                        </p:tgtEl>
+                                        <p:attrNameLst>
+                                          <p:attrName>ppt_y</p:attrName>
+                                        </p:attrNameLst>
+                                      </p:cBhvr>
+                                      <p:tavLst>
+                                        <p:tav tm="0">
+                                          <p:val>
+                                            <p:strVal val="ppt_y"/>
+                                          </p:val>
+                                        </p:tav>
+                                        <p:tav tm="100000">
+                                          <p:val>
+                                            <p:strVal val="ppt_y"/>
+                                          </p:val>
+                                        </p:tav>
+                                      </p:tavLst>
+                                    </p:anim>
+                                    <p:set>
+                                      <p:cBhvr>
+                                        <p:cTn id="62" dur="1" fill="hold">
+                                          <p:stCondLst>
+                                            <p:cond delay="499"/>
+                                          </p:stCondLst>
+                                        </p:cTn>
+                                        <p:tgtEl>
+                                          <p:spTgt spid="1028"/>
+                                        </p:tgtEl>
+                                        <p:attrNameLst>
+                                          <p:attrName>style.visibility</p:attrName>
+                                        </p:attrNameLst>
+                                      </p:cBhvr>
+                                      <p:to>
+                                        <p:strVal val="hidden"/>
+                                      </p:to>
+                                    </p:set>
+                                  </p:childTnLst>
+                                </p:cTn>
+                              </p:par>
+                            </p:childTnLst>
+                          </p:cTn>
+                        </p:par>
+                        <p:par>
+                          <p:cTn id="63" fill="hold">
+                            <p:stCondLst>
+                              <p:cond delay="1900"/>
+                            </p:stCondLst>
+                            <p:childTnLst>
+                              <p:par>
+                                <p:cTn id="64" presetID="26" presetClass="entr" presetSubtype="0" fill="hold" nodeType="afterEffect">
+                                  <p:stCondLst>
+                                    <p:cond delay="0"/>
+                                  </p:stCondLst>
+                                  <p:childTnLst>
+                                    <p:set>
+                                      <p:cBhvr>
+                                        <p:cTn id="65" dur="1" fill="hold">
+                                          <p:stCondLst>
+                                            <p:cond delay="0"/>
+                                          </p:stCondLst>
+                                        </p:cTn>
+                                        <p:tgtEl>
+                                          <p:spTgt spid="1027"/>
+                                        </p:tgtEl>
+                                        <p:attrNameLst>
+                                          <p:attrName>style.visibility</p:attrName>
+                                        </p:attrNameLst>
+                                      </p:cBhvr>
+                                      <p:to>
+                                        <p:strVal val="visible"/>
+                                      </p:to>
+                                    </p:set>
+                                    <p:animEffect transition="in" filter="wipe(down)">
+                                      <p:cBhvr>
+                                        <p:cTn id="66" dur="580">
+                                          <p:stCondLst>
+                                            <p:cond delay="0"/>
+                                          </p:stCondLst>
+                                        </p:cTn>
+                                        <p:tgtEl>
+                                          <p:spTgt spid="1027"/>
+                                        </p:tgtEl>
+                                      </p:cBhvr>
+                                    </p:animEffect>
+                                    <p:anim calcmode="lin" valueType="num">
+                                      <p:cBhvr>
+                                        <p:cTn id="67" dur="1822" tmFilter="0,0; 0.14,0.36; 0.43,0.73; 0.71,0.91; 1.0,1.0">
+                                          <p:stCondLst>
+                                            <p:cond delay="0"/>
+                                          </p:stCondLst>
+                                        </p:cTn>
+                                        <p:tgtEl>
+                                          <p:spTgt spid="1027"/>
+                                        </p:tgtEl>
+                                        <p:attrNameLst>
+                                          <p:attrName>ppt_x</p:attrName>
+                                        </p:attrNameLst>
+                                      </p:cBhvr>
+                                      <p:tavLst>
+                                        <p:tav tm="0">
+                                          <p:val>
+                                            <p:strVal val="#ppt_x-0.25"/>
+                                          </p:val>
+                                        </p:tav>
+                                        <p:tav tm="100000">
+                                          <p:val>
+                                            <p:strVal val="#ppt_x"/>
+                                          </p:val>
+                                        </p:tav>
+                                      </p:tavLst>
+                                    </p:anim>
+                                    <p:anim calcmode="lin" valueType="num">
+                                      <p:cBhvr>
+                                        <p:cTn id="68" dur="664" tmFilter="0.0,0.0; 0.25,0.07; 0.50,0.2; 0.75,0.467; 1.0,1.0">
+                                          <p:stCondLst>
+                                            <p:cond delay="0"/>
+                                          </p:stCondLst>
+                                        </p:cTn>
+                                        <p:tgtEl>
+                                          <p:spTgt spid="1027"/>
+                                        </p:tgtEl>
+                                        <p:attrNameLst>
+                                          <p:attrName>ppt_y</p:attrName>
+                                        </p:attrNameLst>
+                                      </p:cBhvr>
+                                      <p:tavLst>
+                                        <p:tav tm="0" fmla="#ppt_y-sin(pi*$)/3">
+                                          <p:val>
+                                            <p:fltVal val="0.5"/>
+                                          </p:val>
+                                        </p:tav>
+                                        <p:tav tm="100000">
+                                          <p:val>
+                                            <p:fltVal val="1"/>
+                                          </p:val>
+                                        </p:tav>
+                                      </p:tavLst>
+                                    </p:anim>
+                                    <p:anim calcmode="lin" valueType="num">
+                                      <p:cBhvr>
+                                        <p:cTn id="69" dur="664" tmFilter="0, 0; 0.125,0.2665; 0.25,0.4; 0.375,0.465; 0.5,0.5;  0.625,0.535; 0.75,0.6; 0.875,0.7335; 1,1">
+                                          <p:stCondLst>
+                                            <p:cond delay="664"/>
+                                          </p:stCondLst>
+                                        </p:cTn>
+                                        <p:tgtEl>
+                                          <p:spTgt spid="1027"/>
+                                        </p:tgtEl>
+                                        <p:attrNameLst>
+                                          <p:attrName>ppt_y</p:attrName>
+                                        </p:attrNameLst>
+                                      </p:cBhvr>
+                                      <p:tavLst>
+                                        <p:tav tm="0" fmla="#ppt_y-sin(pi*$)/9">
+                                          <p:val>
+                                            <p:fltVal val="0"/>
+                                          </p:val>
+                                        </p:tav>
+                                        <p:tav tm="100000">
+                                          <p:val>
+                                            <p:fltVal val="1"/>
+                                          </p:val>
+                                        </p:tav>
+                                      </p:tavLst>
+                                    </p:anim>
+                                    <p:anim calcmode="lin" valueType="num">
+                                      <p:cBhvr>
+                                        <p:cTn id="70" dur="332" tmFilter="0, 0; 0.125,0.2665; 0.25,0.4; 0.375,0.465; 0.5,0.5;  0.625,0.535; 0.75,0.6; 0.875,0.7335; 1,1">
+                                          <p:stCondLst>
+                                            <p:cond delay="1324"/>
+                                          </p:stCondLst>
+                                        </p:cTn>
+                                        <p:tgtEl>
+                                          <p:spTgt spid="1027"/>
+                                        </p:tgtEl>
+                                        <p:attrNameLst>
+                                          <p:attrName>ppt_y</p:attrName>
+                                        </p:attrNameLst>
+                                      </p:cBhvr>
+                                      <p:tavLst>
+                                        <p:tav tm="0" fmla="#ppt_y-sin(pi*$)/27">
+                                          <p:val>
+                                            <p:fltVal val="0"/>
+                                          </p:val>
+                                        </p:tav>
+                                        <p:tav tm="100000">
+                                          <p:val>
+                                            <p:fltVal val="1"/>
+                                          </p:val>
+                                        </p:tav>
+                                      </p:tavLst>
+                                    </p:anim>
+                                    <p:anim calcmode="lin" valueType="num">
+                                      <p:cBhvr>
+                                        <p:cTn id="71" dur="164" tmFilter="0, 0; 0.125,0.2665; 0.25,0.4; 0.375,0.465; 0.5,0.5;  0.625,0.535; 0.75,0.6; 0.875,0.7335; 1,1">
+                                          <p:stCondLst>
+                                            <p:cond delay="1656"/>
+                                          </p:stCondLst>
+                                        </p:cTn>
+                                        <p:tgtEl>
+                                          <p:spTgt spid="1027"/>
+                                        </p:tgtEl>
+                                        <p:attrNameLst>
+                                          <p:attrName>ppt_y</p:attrName>
+                                        </p:attrNameLst>
+                                      </p:cBhvr>
+                                      <p:tavLst>
+                                        <p:tav tm="0" fmla="#ppt_y-sin(pi*$)/81">
+                                          <p:val>
+                                            <p:fltVal val="0"/>
+                                          </p:val>
+                                        </p:tav>
+                                        <p:tav tm="100000">
+                                          <p:val>
+                                            <p:fltVal val="1"/>
+                                          </p:val>
+                                        </p:tav>
+                                      </p:tavLst>
+                                    </p:anim>
+                                    <p:animScale>
+                                      <p:cBhvr>
+                                        <p:cTn id="72" dur="26">
+                                          <p:stCondLst>
+                                            <p:cond delay="650"/>
+                                          </p:stCondLst>
+                                        </p:cTn>
+                                        <p:tgtEl>
+                                          <p:spTgt spid="1027"/>
+                                        </p:tgtEl>
+                                      </p:cBhvr>
+                                      <p:to x="100000" y="60000"/>
+                                    </p:animScale>
+                                    <p:animScale>
+                                      <p:cBhvr>
+                                        <p:cTn id="73" dur="166" decel="50000">
+                                          <p:stCondLst>
+                                            <p:cond delay="676"/>
+                                          </p:stCondLst>
+                                        </p:cTn>
+                                        <p:tgtEl>
+                                          <p:spTgt spid="1027"/>
+                                        </p:tgtEl>
+                                      </p:cBhvr>
+                                      <p:to x="100000" y="100000"/>
+                                    </p:animScale>
+                                    <p:animScale>
+                                      <p:cBhvr>
+                                        <p:cTn id="74" dur="26">
+                                          <p:stCondLst>
+                                            <p:cond delay="1312"/>
+                                          </p:stCondLst>
+                                        </p:cTn>
+                                        <p:tgtEl>
+                                          <p:spTgt spid="1027"/>
+                                        </p:tgtEl>
+                                      </p:cBhvr>
+                                      <p:to x="100000" y="80000"/>
+                                    </p:animScale>
+                                    <p:animScale>
+                                      <p:cBhvr>
+                                        <p:cTn id="75" dur="166" decel="50000">
+                                          <p:stCondLst>
+                                            <p:cond delay="1338"/>
+                                          </p:stCondLst>
+                                        </p:cTn>
+                                        <p:tgtEl>
+                                          <p:spTgt spid="1027"/>
+                                        </p:tgtEl>
+                                      </p:cBhvr>
+                                      <p:to x="100000" y="100000"/>
+                                    </p:animScale>
+                                    <p:animScale>
+                                      <p:cBhvr>
+                                        <p:cTn id="76" dur="26">
+                                          <p:stCondLst>
+                                            <p:cond delay="1642"/>
+                                          </p:stCondLst>
+                                        </p:cTn>
+                                        <p:tgtEl>
+                                          <p:spTgt spid="1027"/>
+                                        </p:tgtEl>
+                                      </p:cBhvr>
+                                      <p:to x="100000" y="90000"/>
+                                    </p:animScale>
+                                    <p:animScale>
+                                      <p:cBhvr>
+                                        <p:cTn id="77" dur="166" decel="50000">
+                                          <p:stCondLst>
+                                            <p:cond delay="1668"/>
+                                          </p:stCondLst>
+                                        </p:cTn>
+                                        <p:tgtEl>
+                                          <p:spTgt spid="1027"/>
+                                        </p:tgtEl>
+                                      </p:cBhvr>
+                                      <p:to x="100000" y="100000"/>
+                                    </p:animScale>
+                                    <p:animScale>
+                                      <p:cBhvr>
+                                        <p:cTn id="78" dur="26">
+                                          <p:stCondLst>
+                                            <p:cond delay="1808"/>
+                                          </p:stCondLst>
+                                        </p:cTn>
+                                        <p:tgtEl>
+                                          <p:spTgt spid="1027"/>
+                                        </p:tgtEl>
+                                      </p:cBhvr>
+                                      <p:to x="100000" y="95000"/>
+                                    </p:animScale>
+                                    <p:animScale>
+                                      <p:cBhvr>
+                                        <p:cTn id="79" dur="166" decel="50000">
+                                          <p:stCondLst>
+                                            <p:cond delay="1834"/>
+                                          </p:stCondLst>
+                                        </p:cTn>
+                                        <p:tgtEl>
+                                          <p:spTgt spid="1027"/>
+                                        </p:tgtEl>
+                                      </p:cBhvr>
+                                      <p:to x="100000" y="100000"/>
+                                    </p:animScale>
+                                  </p:childTnLst>
+                                </p:cTn>
+                              </p:par>
+                            </p:childTnLst>
+                          </p:cTn>
+                        </p:par>
+                      </p:childTnLst>
+                    </p:cTn>
+                  </p:par>
+                </p:childTnLst>
+              </p:cTn>
+              <p:prevCondLst>
+                <p:cond evt="onPrev" delay="0">
+                  <p:tgtEl>
+                    <p:sldTgt/>
+                  </p:tgtEl>
+                </p:cond>
+              </p:prevCondLst>
+              <p:nextCondLst>
+                <p:cond evt="onNext" delay="0">
+                  <p:tgtEl>
+                    <p:sldTgt/>
+                  </p:tgtEl>
+                </p:cond>
+              </p:nextCondLst>
+            </p:seq>
+          </p:childTnLst>
+        </p:cTn>
+      </p:par>
+    </p:tnLst>
+    <p:bldLst>
+      <p:bldP spid="10" grpId="0"/>
+      <p:bldP spid="17" grpId="0"/>
+      <p:bldP spid="25" grpId="0"/>
+    </p:bldLst>
+  </p:timing>
+</p:sld>
+</file>
+
+<file path=ppt/slides/slide7.xml><?xml version="1.0" encoding="utf-8"?>
+<p:sld xmlns:a="http://schemas.openxmlformats.org/drawingml/2006/main" xmlns:r="http://schemas.openxmlformats.org/officeDocument/2006/relationships" xmlns:p="http://schemas.openxmlformats.org/presentationml/2006/main">
+  <p:cSld>
+    <p:spTree>
+      <p:nvGrpSpPr>
+        <p:cNvPr id="1" name=""/>
+        <p:cNvGrpSpPr/>
+        <p:nvPr/>
+      </p:nvGrpSpPr>
+      <p:grpSpPr>
+        <a:xfrm>
+          <a:off x="0" y="0"/>
+          <a:ext cx="0" cy="0"/>
+          <a:chOff x="0" y="0"/>
+          <a:chExt cx="0" cy="0"/>
+        </a:xfrm>
+      </p:grpSpPr>
+      <p:sp>
+        <p:nvSpPr>
+          <p:cNvPr id="3" name="Dreptunghi 2"/>
+          <p:cNvSpPr/>
+          <p:nvPr/>
+        </p:nvSpPr>
+        <p:spPr>
+          <a:xfrm>
+            <a:off x="395536" y="188640"/>
+            <a:ext cx="8170300" cy="646331"/>
+          </a:xfrm>
+          <a:prstGeom prst="rect">
+            <a:avLst/>
+          </a:prstGeom>
+          <a:noFill/>
+        </p:spPr>
+        <p:txBody>
+          <a:bodyPr wrap="square" lIns="91440" tIns="45720" rIns="91440" bIns="45720">
+            <a:spAutoFit/>
+          </a:bodyPr>
+          <a:lstStyle/>
+          <a:p>
+            <a:pPr algn="ctr"/>
+            <a:r>
+              <a:rPr lang="ro-RO" sz="3600" b="1" dirty="0" smtClean="0">
+                <a:ln w="17780" cmpd="sng">
+                  <a:solidFill>
+                    <a:schemeClr val="accent1">
+                      <a:tint val="3000"/>
+                    </a:schemeClr>
+                  </a:solidFill>
+                  <a:prstDash val="solid"/>
+                  <a:miter lim="800000"/>
+                </a:ln>
+                <a:gradFill>
+                  <a:gsLst>
+                    <a:gs pos="10000">
+                      <a:schemeClr val="accent1">
+                        <a:tint val="63000"/>
+                        <a:sat val="105000"/>
+                      </a:schemeClr>
+                    </a:gs>
+                    <a:gs pos="90000">
+                      <a:schemeClr val="accent1">
+                        <a:shade val="50000"/>
+                        <a:satMod val="100000"/>
+                      </a:schemeClr>
+                    </a:gs>
+                  </a:gsLst>
+                  <a:lin ang="5400000"/>
+                </a:gradFill>
+                <a:effectLst>
+                  <a:outerShdw blurRad="55000" dist="50800" dir="5400000" algn="tl">
+                    <a:srgbClr val="000000">
+                      <a:alpha val="33000"/>
+                    </a:srgbClr>
+                  </a:outerShdw>
+                </a:effectLst>
+              </a:rPr>
+              <a:t>Funcționalități de implementat</a:t>
+            </a:r>
+            <a:endParaRPr lang="ro-RO" sz="3600" b="1" cap="none" spc="0" dirty="0">
+              <a:ln w="17780" cmpd="sng">
+                <a:solidFill>
+                  <a:schemeClr val="accent1">
+                    <a:tint val="3000"/>
+                  </a:schemeClr>
+                </a:solidFill>
+                <a:prstDash val="solid"/>
+                <a:miter lim="800000"/>
+              </a:ln>
+              <a:gradFill>
+                <a:gsLst>
+                  <a:gs pos="10000">
+                    <a:schemeClr val="accent1">
+                      <a:tint val="63000"/>
+                      <a:sat val="105000"/>
+                    </a:schemeClr>
+                  </a:gs>
+                  <a:gs pos="90000">
+                    <a:schemeClr val="accent1">
+                      <a:shade val="50000"/>
+                      <a:satMod val="100000"/>
+                    </a:schemeClr>
+                  </a:gs>
+                </a:gsLst>
+                <a:lin ang="5400000"/>
+              </a:gradFill>
+              <a:effectLst>
+                <a:outerShdw blurRad="55000" dist="50800" dir="5400000" algn="tl">
+                  <a:srgbClr val="000000">
+                    <a:alpha val="33000"/>
+                  </a:srgbClr>
+                </a:outerShdw>
+              </a:effectLst>
+            </a:endParaRPr>
+          </a:p>
+        </p:txBody>
+      </p:sp>
+      <p:sp>
+        <p:nvSpPr>
+          <p:cNvPr id="2" name="CasetăText 1"/>
+          <p:cNvSpPr txBox="1"/>
+          <p:nvPr/>
+        </p:nvSpPr>
+        <p:spPr>
+          <a:xfrm>
+            <a:off x="827584" y="1412776"/>
+            <a:ext cx="7416824" cy="1477328"/>
+          </a:xfrm>
+          <a:prstGeom prst="rect">
+            <a:avLst/>
+          </a:prstGeom>
+          <a:noFill/>
+        </p:spPr>
+        <p:txBody>
+          <a:bodyPr wrap="square" rtlCol="0">
+            <a:spAutoFit/>
+          </a:bodyPr>
+          <a:lstStyle/>
+          <a:p>
+            <a:pPr marL="285750" indent="-285750">
+              <a:buFont typeface="Arial" pitchFamily="34" charset="0"/>
+              <a:buChar char="•"/>
+            </a:pPr>
+            <a:r>
+              <a:rPr lang="ro-RO" dirty="0" err="1" smtClean="0"/>
+              <a:t>Read</a:t>
+            </a:r>
+            <a:endParaRPr lang="ro-RO" dirty="0" smtClean="0"/>
+          </a:p>
+          <a:p>
+            <a:pPr marL="285750" indent="-285750">
+              <a:buFont typeface="Arial" pitchFamily="34" charset="0"/>
+              <a:buChar char="•"/>
+            </a:pPr>
+            <a:r>
+              <a:rPr lang="ro-RO" dirty="0" err="1" smtClean="0"/>
+              <a:t>Write</a:t>
+            </a:r>
+            <a:endParaRPr lang="ro-RO" dirty="0" smtClean="0"/>
+          </a:p>
+          <a:p>
+            <a:pPr marL="285750" indent="-285750">
+              <a:buFont typeface="Arial" pitchFamily="34" charset="0"/>
+              <a:buChar char="•"/>
+            </a:pPr>
+            <a:r>
+              <a:rPr lang="ro-RO" dirty="0" err="1" smtClean="0"/>
+              <a:t>Checksum</a:t>
+            </a:r>
+            <a:endParaRPr lang="ro-RO" dirty="0" smtClean="0"/>
+          </a:p>
+          <a:p>
+            <a:pPr marL="285750" indent="-285750">
+              <a:buFont typeface="Arial" pitchFamily="34" charset="0"/>
+              <a:buChar char="•"/>
+            </a:pPr>
+            <a:r>
+              <a:rPr lang="ro-RO" dirty="0" err="1" smtClean="0"/>
+              <a:t>Bla</a:t>
+            </a:r>
+            <a:r>
+              <a:rPr lang="ro-RO" dirty="0" smtClean="0"/>
+              <a:t> </a:t>
+            </a:r>
+          </a:p>
+          <a:p>
+            <a:pPr marL="285750" indent="-285750">
+              <a:buFont typeface="Arial" pitchFamily="34" charset="0"/>
+              <a:buChar char="•"/>
+            </a:pPr>
+            <a:r>
+              <a:rPr lang="ro-RO" dirty="0" err="1" smtClean="0"/>
+              <a:t>Bla</a:t>
+            </a:r>
+            <a:endParaRPr lang="ro-RO" dirty="0" smtClean="0"/>
+          </a:p>
+        </p:txBody>
+      </p:sp>
+    </p:spTree>
+    <p:extLst>
+      <p:ext uri="{BB962C8B-B14F-4D97-AF65-F5344CB8AC3E}">
+        <p14:creationId xmlns:p14="http://schemas.microsoft.com/office/powerpoint/2010/main" val="1637085515"/>
+      </p:ext>
+    </p:extLst>
+  </p:cSld>
+  <p:clrMapOvr>
+    <a:masterClrMapping/>
+  </p:clrMapOvr>
+  <p:timing>
+    <p:tnLst>
+      <p:par>
+        <p:cTn id="1" dur="indefinite" restart="never" nodeType="tmRoot">
+          <p:childTnLst>
+            <p:seq concurrent="1" nextAc="seek">
+              <p:cTn id="2" dur="indefinite" nodeType="mainSeq">
+                <p:childTnLst>
+                  <p:par>
+                    <p:cTn id="3" fill="hold">
+                      <p:stCondLst>
+                        <p:cond delay="indefinite"/>
+                        <p:cond evt="onBegin" delay="0">
+                          <p:tn val="2"/>
+                        </p:cond>
+                      </p:stCondLst>
+                      <p:childTnLst>
+                        <p:par>
+                          <p:cTn id="4" fill="hold">
+                            <p:stCondLst>
+                              <p:cond delay="0"/>
+                            </p:stCondLst>
+                            <p:childTnLst>
+                              <p:par>
+                                <p:cTn id="5" presetID="1" presetClass="entr" presetSubtype="0" fill="hold" nodeType="afterEffect">
+                                  <p:stCondLst>
+                                    <p:cond delay="0"/>
+                                  </p:stCondLst>
+                                  <p:childTnLst>
+                                    <p:set>
+                                      <p:cBhvr>
+                                        <p:cTn id="6" dur="1" fill="hold">
+                                          <p:stCondLst>
+                                            <p:cond delay="499"/>
+                                          </p:stCondLst>
+                                        </p:cTn>
+                                        <p:tgtEl>
+                                          <p:spTgt spid="3">
+                                            <p:txEl>
+                                              <p:pRg st="0" end="0"/>
+                                            </p:txEl>
+                                          </p:spTgt>
+                                        </p:tgtEl>
+                                        <p:attrNameLst>
+                                          <p:attrName>style.visibility</p:attrName>
+                                        </p:attrNameLst>
+                                      </p:cBhvr>
+                                      <p:to>
+                                        <p:strVal val="visible"/>
+                                      </p:to>
+                                    </p:set>
+                                  </p:childTnLst>
+                                </p:cTn>
+                              </p:par>
+                            </p:childTnLst>
+                          </p:cTn>
+                        </p:par>
                       </p:childTnLst>
                     </p:cTn>
                   </p:par>
@@ -17052,97 +19550,6 @@
 </p:sld>
 </file>
 
-<file path=ppt/slides/slide7.xml><?xml version="1.0" encoding="utf-8"?>
-<p:sld xmlns:a="http://schemas.openxmlformats.org/drawingml/2006/main" xmlns:r="http://schemas.openxmlformats.org/officeDocument/2006/relationships" xmlns:p="http://schemas.openxmlformats.org/presentationml/2006/main">
-  <p:cSld>
-    <p:spTree>
-      <p:nvGrpSpPr>
-        <p:cNvPr id="1" name=""/>
-        <p:cNvGrpSpPr/>
-        <p:nvPr/>
-      </p:nvGrpSpPr>
-      <p:grpSpPr>
-        <a:xfrm>
-          <a:off x="0" y="0"/>
-          <a:ext cx="0" cy="0"/>
-          <a:chOff x="0" y="0"/>
-          <a:chExt cx="0" cy="0"/>
-        </a:xfrm>
-      </p:grpSpPr>
-      <p:sp>
-        <p:nvSpPr>
-          <p:cNvPr id="5" name="CasetăText 4"/>
-          <p:cNvSpPr txBox="1"/>
-          <p:nvPr/>
-        </p:nvSpPr>
-        <p:spPr>
-          <a:xfrm>
-            <a:off x="1187624" y="476672"/>
-            <a:ext cx="4320480" cy="369332"/>
-          </a:xfrm>
-          <a:prstGeom prst="rect">
-            <a:avLst/>
-          </a:prstGeom>
-          <a:noFill/>
-        </p:spPr>
-        <p:txBody>
-          <a:bodyPr wrap="square" rtlCol="0">
-            <a:spAutoFit/>
-          </a:bodyPr>
-          <a:lstStyle/>
-          <a:p>
-            <a:r>
-              <a:rPr lang="en-US" dirty="0" err="1" smtClean="0"/>
-              <a:t>Ce</a:t>
-            </a:r>
-            <a:r>
-              <a:rPr lang="en-US" dirty="0" smtClean="0"/>
-              <a:t> s-a </a:t>
-            </a:r>
-            <a:r>
-              <a:rPr lang="en-US" dirty="0" err="1" smtClean="0"/>
-              <a:t>cerut</a:t>
-            </a:r>
-            <a:r>
-              <a:rPr lang="en-US" dirty="0" smtClean="0"/>
-              <a:t> </a:t>
-            </a:r>
-            <a:r>
-              <a:rPr lang="en-US" dirty="0" err="1" smtClean="0"/>
-              <a:t>sa</a:t>
-            </a:r>
-            <a:r>
-              <a:rPr lang="en-US" dirty="0" smtClean="0"/>
-              <a:t> se </a:t>
-            </a:r>
-            <a:r>
-              <a:rPr lang="en-US" dirty="0" err="1" smtClean="0"/>
-              <a:t>faca</a:t>
-            </a:r>
-            <a:endParaRPr lang="ro-RO" dirty="0"/>
-          </a:p>
-        </p:txBody>
-      </p:sp>
-    </p:spTree>
-    <p:extLst>
-      <p:ext uri="{BB962C8B-B14F-4D97-AF65-F5344CB8AC3E}">
-        <p14:creationId xmlns:p14="http://schemas.microsoft.com/office/powerpoint/2010/main" val="1637085515"/>
-      </p:ext>
-    </p:extLst>
-  </p:cSld>
-  <p:clrMapOvr>
-    <a:masterClrMapping/>
-  </p:clrMapOvr>
-  <p:timing>
-    <p:tnLst>
-      <p:par>
-        <p:cTn id="1" dur="indefinite" restart="never" nodeType="tmRoot"/>
-      </p:par>
-    </p:tnLst>
-  </p:timing>
-</p:sld>
-</file>
-
 <file path=ppt/slides/slide8.xml><?xml version="1.0" encoding="utf-8"?>
 <p:sld xmlns:a="http://schemas.openxmlformats.org/drawingml/2006/main" xmlns:r="http://schemas.openxmlformats.org/officeDocument/2006/relationships" xmlns:p="http://schemas.openxmlformats.org/presentationml/2006/main">
   <p:cSld>
@@ -17162,14 +19569,14 @@
       </p:grpSpPr>
       <p:sp>
         <p:nvSpPr>
-          <p:cNvPr id="4" name="CasetăText 3"/>
-          <p:cNvSpPr txBox="1"/>
+          <p:cNvPr id="3" name="Dreptunghi 2"/>
+          <p:cNvSpPr/>
           <p:nvPr/>
         </p:nvSpPr>
         <p:spPr>
           <a:xfrm>
-            <a:off x="827584" y="692696"/>
-            <a:ext cx="3816424" cy="369332"/>
+            <a:off x="395536" y="188640"/>
+            <a:ext cx="8170300" cy="646331"/>
           </a:xfrm>
           <a:prstGeom prst="rect">
             <a:avLst/>
@@ -17177,24 +19584,85 @@
           <a:noFill/>
         </p:spPr>
         <p:txBody>
-          <a:bodyPr wrap="square" rtlCol="0">
+          <a:bodyPr wrap="square" lIns="91440" tIns="45720" rIns="91440" bIns="45720">
             <a:spAutoFit/>
           </a:bodyPr>
           <a:lstStyle/>
           <a:p>
+            <a:pPr algn="ctr"/>
             <a:r>
-              <a:rPr lang="en-US" dirty="0" err="1" smtClean="0"/>
-              <a:t>Ce</a:t>
+              <a:rPr lang="ro-RO" sz="3600" b="1" dirty="0" smtClean="0">
+                <a:ln w="17780" cmpd="sng">
+                  <a:solidFill>
+                    <a:schemeClr val="accent1">
+                      <a:tint val="3000"/>
+                    </a:schemeClr>
+                  </a:solidFill>
+                  <a:prstDash val="solid"/>
+                  <a:miter lim="800000"/>
+                </a:ln>
+                <a:gradFill>
+                  <a:gsLst>
+                    <a:gs pos="10000">
+                      <a:schemeClr val="accent1">
+                        <a:tint val="63000"/>
+                        <a:sat val="105000"/>
+                      </a:schemeClr>
+                    </a:gs>
+                    <a:gs pos="90000">
+                      <a:schemeClr val="accent1">
+                        <a:shade val="50000"/>
+                        <a:satMod val="100000"/>
+                      </a:schemeClr>
+                    </a:gs>
+                  </a:gsLst>
+                  <a:lin ang="5400000"/>
+                </a:gradFill>
+                <a:effectLst>
+                  <a:outerShdw blurRad="55000" dist="50800" dir="5400000" algn="tl">
+                    <a:srgbClr val="000000">
+                      <a:alpha val="33000"/>
+                    </a:srgbClr>
+                  </a:outerShdw>
+                </a:effectLst>
+              </a:rPr>
+              <a:t>Implementare</a:t>
             </a:r>
-            <a:r>
-              <a:rPr lang="en-US" dirty="0" smtClean="0"/>
-              <a:t> am </a:t>
-            </a:r>
-            <a:r>
-              <a:rPr lang="en-US" dirty="0" err="1" smtClean="0"/>
-              <a:t>facut</a:t>
-            </a:r>
-            <a:endParaRPr lang="ro-RO" dirty="0"/>
+            <a:endParaRPr lang="ro-RO" sz="3600" b="1" cap="none" spc="0" dirty="0">
+              <a:ln w="17780" cmpd="sng">
+                <a:solidFill>
+                  <a:schemeClr val="accent1">
+                    <a:tint val="3000"/>
+                  </a:schemeClr>
+                </a:solidFill>
+                <a:prstDash val="solid"/>
+                <a:miter lim="800000"/>
+              </a:ln>
+              <a:gradFill>
+                <a:gsLst>
+                  <a:gs pos="10000">
+                    <a:schemeClr val="accent1">
+                      <a:tint val="63000"/>
+                      <a:sat val="105000"/>
+                    </a:schemeClr>
+                  </a:gs>
+                  <a:gs pos="90000">
+                    <a:schemeClr val="accent1">
+                      <a:shade val="50000"/>
+                      <a:satMod val="100000"/>
+                    </a:schemeClr>
+                  </a:gs>
+                </a:gsLst>
+                <a:lin ang="5400000"/>
+              </a:gradFill>
+              <a:effectLst>
+                <a:outerShdw blurRad="55000" dist="50800" dir="5400000" algn="tl">
+                  <a:srgbClr val="000000">
+                    <a:alpha val="33000"/>
+                  </a:srgbClr>
+                </a:outerShdw>
+              </a:effectLst>
+            </a:endParaRPr>
           </a:p>
         </p:txBody>
       </p:sp>
@@ -17211,7 +19679,82 @@
   <p:timing>
     <p:tnLst>
       <p:par>
-        <p:cTn id="1" dur="indefinite" restart="never" nodeType="tmRoot"/>
+        <p:cTn id="1" dur="indefinite" restart="never" nodeType="tmRoot">
+          <p:childTnLst>
+            <p:seq concurrent="1" nextAc="seek">
+              <p:cTn id="2" dur="indefinite" nodeType="mainSeq">
+                <p:childTnLst>
+                  <p:par>
+                    <p:cTn id="3" fill="hold">
+                      <p:stCondLst>
+                        <p:cond delay="indefinite"/>
+                        <p:cond evt="onBegin" delay="0">
+                          <p:tn val="2"/>
+                        </p:cond>
+                      </p:stCondLst>
+                      <p:childTnLst>
+                        <p:par>
+                          <p:cTn id="4" fill="hold">
+                            <p:stCondLst>
+                              <p:cond delay="0"/>
+                            </p:stCondLst>
+                            <p:childTnLst>
+                              <p:par>
+                                <p:cTn id="5" presetID="1" presetClass="entr" presetSubtype="0" fill="hold" nodeType="afterEffect">
+                                  <p:stCondLst>
+                                    <p:cond delay="0"/>
+                                  </p:stCondLst>
+                                  <p:childTnLst>
+                                    <p:set>
+                                      <p:cBhvr>
+                                        <p:cTn id="6" dur="1" fill="hold">
+                                          <p:stCondLst>
+                                            <p:cond delay="499"/>
+                                          </p:stCondLst>
+                                        </p:cTn>
+                                        <p:tgtEl>
+                                          <p:spTgt spid="3">
+                                            <p:txEl>
+                                              <p:pRg st="0" end="0"/>
+                                            </p:txEl>
+                                          </p:spTgt>
+                                        </p:tgtEl>
+                                        <p:attrNameLst>
+                                          <p:attrName>style.visibility</p:attrName>
+                                        </p:attrNameLst>
+                                      </p:cBhvr>
+                                      <p:to>
+                                        <p:strVal val="visible"/>
+                                      </p:to>
+                                    </p:set>
+                                  </p:childTnLst>
+                                </p:cTn>
+                              </p:par>
+                            </p:childTnLst>
+                          </p:cTn>
+                        </p:par>
+                      </p:childTnLst>
+                    </p:cTn>
+                  </p:par>
+                </p:childTnLst>
+              </p:cTn>
+              <p:prevCondLst>
+                <p:cond evt="onPrev" delay="0">
+                  <p:tgtEl>
+                    <p:sldTgt/>
+                  </p:tgtEl>
+                </p:cond>
+              </p:prevCondLst>
+              <p:nextCondLst>
+                <p:cond evt="onNext" delay="0">
+                  <p:tgtEl>
+                    <p:sldTgt/>
+                  </p:tgtEl>
+                </p:cond>
+              </p:nextCondLst>
+            </p:seq>
+          </p:childTnLst>
+        </p:cTn>
       </p:par>
     </p:tnLst>
   </p:timing>
@@ -17237,14 +19780,14 @@
       </p:grpSpPr>
       <p:sp>
         <p:nvSpPr>
-          <p:cNvPr id="4" name="CasetăText 3"/>
-          <p:cNvSpPr txBox="1"/>
+          <p:cNvPr id="3" name="Dreptunghi 2"/>
+          <p:cNvSpPr/>
           <p:nvPr/>
         </p:nvSpPr>
         <p:spPr>
           <a:xfrm>
-            <a:off x="2051720" y="1412776"/>
-            <a:ext cx="1439818" cy="369332"/>
+            <a:off x="395536" y="188640"/>
+            <a:ext cx="8170300" cy="646331"/>
           </a:xfrm>
           <a:prstGeom prst="rect">
             <a:avLst/>
@@ -17252,24 +19795,85 @@
           <a:noFill/>
         </p:spPr>
         <p:txBody>
-          <a:bodyPr wrap="none" rtlCol="0">
+          <a:bodyPr wrap="square" lIns="91440" tIns="45720" rIns="91440" bIns="45720">
             <a:spAutoFit/>
           </a:bodyPr>
           <a:lstStyle/>
           <a:p>
+            <a:pPr algn="ctr"/>
             <a:r>
-              <a:rPr lang="en-US" dirty="0" err="1" smtClean="0"/>
-              <a:t>Ce</a:t>
+              <a:rPr lang="ro-RO" sz="3600" b="1" dirty="0" smtClean="0">
+                <a:ln w="17780" cmpd="sng">
+                  <a:solidFill>
+                    <a:schemeClr val="accent1">
+                      <a:tint val="3000"/>
+                    </a:schemeClr>
+                  </a:solidFill>
+                  <a:prstDash val="solid"/>
+                  <a:miter lim="800000"/>
+                </a:ln>
+                <a:gradFill>
+                  <a:gsLst>
+                    <a:gs pos="10000">
+                      <a:schemeClr val="accent1">
+                        <a:tint val="63000"/>
+                        <a:sat val="105000"/>
+                      </a:schemeClr>
+                    </a:gs>
+                    <a:gs pos="90000">
+                      <a:schemeClr val="accent1">
+                        <a:shade val="50000"/>
+                        <a:satMod val="100000"/>
+                      </a:schemeClr>
+                    </a:gs>
+                  </a:gsLst>
+                  <a:lin ang="5400000"/>
+                </a:gradFill>
+                <a:effectLst>
+                  <a:outerShdw blurRad="55000" dist="50800" dir="5400000" algn="tl">
+                    <a:srgbClr val="000000">
+                      <a:alpha val="33000"/>
+                    </a:srgbClr>
+                  </a:outerShdw>
+                </a:effectLst>
+              </a:rPr>
+              <a:t>Implementare</a:t>
             </a:r>
-            <a:r>
-              <a:rPr lang="en-US" dirty="0" smtClean="0"/>
-              <a:t> am </a:t>
-            </a:r>
-            <a:r>
-              <a:rPr lang="en-US" dirty="0" err="1" smtClean="0"/>
-              <a:t>facut</a:t>
-            </a:r>
-            <a:endParaRPr lang="ro-RO" dirty="0"/>
+            <a:endParaRPr lang="ro-RO" sz="3600" b="1" cap="none" spc="0" dirty="0">
+              <a:ln w="17780" cmpd="sng">
+                <a:solidFill>
+                  <a:schemeClr val="accent1">
+                    <a:tint val="3000"/>
+                  </a:schemeClr>
+                </a:solidFill>
+                <a:prstDash val="solid"/>
+                <a:miter lim="800000"/>
+              </a:ln>
+              <a:gradFill>
+                <a:gsLst>
+                  <a:gs pos="10000">
+                    <a:schemeClr val="accent1">
+                      <a:tint val="63000"/>
+                      <a:sat val="105000"/>
+                    </a:schemeClr>
+                  </a:gs>
+                  <a:gs pos="90000">
+                    <a:schemeClr val="accent1">
+                      <a:shade val="50000"/>
+                      <a:satMod val="100000"/>
+                    </a:schemeClr>
+                  </a:gs>
+                </a:gsLst>
+                <a:lin ang="5400000"/>
+              </a:gradFill>
+              <a:effectLst>
+                <a:outerShdw blurRad="55000" dist="50800" dir="5400000" algn="tl">
+                  <a:srgbClr val="000000">
+                    <a:alpha val="33000"/>
+                  </a:srgbClr>
+                </a:outerShdw>
+              </a:effectLst>
+            </a:endParaRPr>
           </a:p>
         </p:txBody>
       </p:sp>
@@ -17286,7 +19890,82 @@
   <p:timing>
     <p:tnLst>
       <p:par>
-        <p:cTn id="1" dur="indefinite" restart="never" nodeType="tmRoot"/>
+        <p:cTn id="1" dur="indefinite" restart="never" nodeType="tmRoot">
+          <p:childTnLst>
+            <p:seq concurrent="1" nextAc="seek">
+              <p:cTn id="2" dur="indefinite" nodeType="mainSeq">
+                <p:childTnLst>
+                  <p:par>
+                    <p:cTn id="3" fill="hold">
+                      <p:stCondLst>
+                        <p:cond delay="indefinite"/>
+                        <p:cond evt="onBegin" delay="0">
+                          <p:tn val="2"/>
+                        </p:cond>
+                      </p:stCondLst>
+                      <p:childTnLst>
+                        <p:par>
+                          <p:cTn id="4" fill="hold">
+                            <p:stCondLst>
+                              <p:cond delay="0"/>
+                            </p:stCondLst>
+                            <p:childTnLst>
+                              <p:par>
+                                <p:cTn id="5" presetID="1" presetClass="entr" presetSubtype="0" fill="hold" nodeType="afterEffect">
+                                  <p:stCondLst>
+                                    <p:cond delay="0"/>
+                                  </p:stCondLst>
+                                  <p:childTnLst>
+                                    <p:set>
+                                      <p:cBhvr>
+                                        <p:cTn id="6" dur="1" fill="hold">
+                                          <p:stCondLst>
+                                            <p:cond delay="499"/>
+                                          </p:stCondLst>
+                                        </p:cTn>
+                                        <p:tgtEl>
+                                          <p:spTgt spid="3">
+                                            <p:txEl>
+                                              <p:pRg st="0" end="0"/>
+                                            </p:txEl>
+                                          </p:spTgt>
+                                        </p:tgtEl>
+                                        <p:attrNameLst>
+                                          <p:attrName>style.visibility</p:attrName>
+                                        </p:attrNameLst>
+                                      </p:cBhvr>
+                                      <p:to>
+                                        <p:strVal val="visible"/>
+                                      </p:to>
+                                    </p:set>
+                                  </p:childTnLst>
+                                </p:cTn>
+                              </p:par>
+                            </p:childTnLst>
+                          </p:cTn>
+                        </p:par>
+                      </p:childTnLst>
+                    </p:cTn>
+                  </p:par>
+                </p:childTnLst>
+              </p:cTn>
+              <p:prevCondLst>
+                <p:cond evt="onPrev" delay="0">
+                  <p:tgtEl>
+                    <p:sldTgt/>
+                  </p:tgtEl>
+                </p:cond>
+              </p:prevCondLst>
+              <p:nextCondLst>
+                <p:cond evt="onNext" delay="0">
+                  <p:tgtEl>
+                    <p:sldTgt/>
+                  </p:tgtEl>
+                </p:cond>
+              </p:nextCondLst>
+            </p:seq>
+          </p:childTnLst>
+        </p:cTn>
       </p:par>
     </p:tnLst>
   </p:timing>

--- a/Licenta.pptx
+++ b/Licenta.pptx
@@ -6385,15 +6385,6 @@
                 <a:tailEnd/>
               </a14:hiddenLine>
             </a:ext>
-            <a:ext uri="{AF507438-7753-43E0-B8FC-AC1667EBCBE1}">
-              <a14:hiddenEffects xmlns:a14="http://schemas.microsoft.com/office/drawing/2010/main">
-                <a:effectLst>
-                  <a:outerShdw dist="35921" dir="2700000" algn="ctr" rotWithShape="0">
-                    <a:schemeClr val="bg2"/>
-                  </a:outerShdw>
-                </a:effectLst>
-              </a14:hiddenEffects>
-            </a:ext>
           </a:extLst>
         </p:spPr>
       </p:pic>
@@ -6454,15 +6445,6 @@
                 <a:tailEnd/>
               </a14:hiddenLine>
             </a:ext>
-            <a:ext uri="{AF507438-7753-43E0-B8FC-AC1667EBCBE1}">
-              <a14:hiddenEffects xmlns:a14="http://schemas.microsoft.com/office/drawing/2010/main">
-                <a:effectLst>
-                  <a:outerShdw dist="35921" dir="2700000" algn="ctr" rotWithShape="0">
-                    <a:schemeClr val="bg2"/>
-                  </a:outerShdw>
-                </a:effectLst>
-              </a14:hiddenEffects>
-            </a:ext>
           </a:extLst>
         </p:spPr>
       </p:pic>
@@ -6522,15 +6504,6 @@
                 <a:headEnd/>
                 <a:tailEnd/>
               </a14:hiddenLine>
-            </a:ext>
-            <a:ext uri="{AF507438-7753-43E0-B8FC-AC1667EBCBE1}">
-              <a14:hiddenEffects xmlns:a14="http://schemas.microsoft.com/office/drawing/2010/main">
-                <a:effectLst>
-                  <a:outerShdw dist="35921" dir="2700000" algn="ctr" rotWithShape="0">
-                    <a:schemeClr val="bg2"/>
-                  </a:outerShdw>
-                </a:effectLst>
-              </a14:hiddenEffects>
             </a:ext>
           </a:extLst>
         </p:spPr>
@@ -18584,15 +18557,6 @@
                     <a:tailEnd/>
                   </a14:hiddenLine>
                 </a:ext>
-                <a:ext uri="{AF507438-7753-43E0-B8FC-AC1667EBCBE1}">
-                  <a14:hiddenEffects xmlns:a14="http://schemas.microsoft.com/office/drawing/2010/main">
-                    <a:effectLst>
-                      <a:outerShdw dist="35921" dir="2700000" algn="ctr" rotWithShape="0">
-                        <a:schemeClr val="bg2"/>
-                      </a:outerShdw>
-                    </a:effectLst>
-                  </a14:hiddenEffects>
-                </a:ext>
               </a:extLst>
             </p:spPr>
           </p:pic>
@@ -20466,82 +20430,6 @@
           <a:chExt cx="0" cy="0"/>
         </a:xfrm>
       </p:grpSpPr>
-      <p:pic>
-        <p:nvPicPr>
-          <p:cNvPr id="1026" name="Picture 2"/>
-          <p:cNvPicPr>
-            <a:picLocks noChangeAspect="1" noChangeArrowheads="1"/>
-          </p:cNvPicPr>
-          <p:nvPr/>
-        </p:nvPicPr>
-        <p:blipFill>
-          <a:blip r:embed="rId2">
-            <a:extLst>
-              <a:ext uri="{BEBA8EAE-BF5A-486C-A8C5-ECC9F3942E4B}">
-                <a14:imgProps xmlns:a14="http://schemas.microsoft.com/office/drawing/2010/main">
-                  <a14:imgLayer r:embed="rId3">
-                    <a14:imgEffect>
-                      <a14:sharpenSoften amount="50000"/>
-                    </a14:imgEffect>
-                    <a14:imgEffect>
-                      <a14:saturation sat="400000"/>
-                    </a14:imgEffect>
-                  </a14:imgLayer>
-                </a14:imgProps>
-              </a:ext>
-              <a:ext uri="{28A0092B-C50C-407E-A947-70E740481C1C}">
-                <a14:useLocalDpi xmlns:a14="http://schemas.microsoft.com/office/drawing/2010/main" val="0"/>
-              </a:ext>
-            </a:extLst>
-          </a:blip>
-          <a:srcRect/>
-          <a:stretch>
-            <a:fillRect/>
-          </a:stretch>
-        </p:blipFill>
-        <p:spPr bwMode="auto">
-          <a:xfrm>
-            <a:off x="1725238" y="2708920"/>
-            <a:ext cx="5068360" cy="3964098"/>
-          </a:xfrm>
-          <a:prstGeom prst="rect">
-            <a:avLst/>
-          </a:prstGeom>
-          <a:noFill/>
-          <a:ln>
-            <a:noFill/>
-          </a:ln>
-          <a:effectLst/>
-          <a:extLst>
-            <a:ext uri="{909E8E84-426E-40DD-AFC4-6F175D3DCCD1}">
-              <a14:hiddenFill xmlns:a14="http://schemas.microsoft.com/office/drawing/2010/main">
-                <a:solidFill>
-                  <a:schemeClr val="accent1"/>
-                </a:solidFill>
-              </a14:hiddenFill>
-            </a:ext>
-            <a:ext uri="{91240B29-F687-4F45-9708-019B960494DF}">
-              <a14:hiddenLine xmlns:a14="http://schemas.microsoft.com/office/drawing/2010/main" w="9525">
-                <a:solidFill>
-                  <a:schemeClr val="tx1"/>
-                </a:solidFill>
-                <a:miter lim="800000"/>
-                <a:headEnd/>
-                <a:tailEnd/>
-              </a14:hiddenLine>
-            </a:ext>
-            <a:ext uri="{AF507438-7753-43E0-B8FC-AC1667EBCBE1}">
-              <a14:hiddenEffects xmlns:a14="http://schemas.microsoft.com/office/drawing/2010/main">
-                <a:effectLst>
-                  <a:outerShdw dist="35921" dir="2700000" algn="ctr" rotWithShape="0">
-                    <a:schemeClr val="bg2"/>
-                  </a:outerShdw>
-                </a:effectLst>
-              </a14:hiddenEffects>
-            </a:ext>
-          </a:extLst>
-        </p:spPr>
-      </p:pic>
       <p:sp>
         <p:nvSpPr>
           <p:cNvPr id="3" name="Dreptunghi 2"/>
@@ -21029,6 +20917,127 @@
           </a:p>
         </p:txBody>
       </p:sp>
+      <p:grpSp>
+        <p:nvGrpSpPr>
+          <p:cNvPr id="8" name="Grupare 7"/>
+          <p:cNvGrpSpPr/>
+          <p:nvPr/>
+        </p:nvGrpSpPr>
+        <p:grpSpPr>
+          <a:xfrm>
+            <a:off x="1725238" y="2708920"/>
+            <a:ext cx="5068360" cy="3964098"/>
+            <a:chOff x="1725238" y="2708920"/>
+            <a:chExt cx="5068360" cy="3964098"/>
+          </a:xfrm>
+        </p:grpSpPr>
+        <p:pic>
+          <p:nvPicPr>
+            <p:cNvPr id="1026" name="Picture 2"/>
+            <p:cNvPicPr>
+              <a:picLocks noChangeAspect="1" noChangeArrowheads="1"/>
+            </p:cNvPicPr>
+            <p:nvPr/>
+          </p:nvPicPr>
+          <p:blipFill>
+            <a:blip r:embed="rId2">
+              <a:extLst>
+                <a:ext uri="{BEBA8EAE-BF5A-486C-A8C5-ECC9F3942E4B}">
+                  <a14:imgProps xmlns:a14="http://schemas.microsoft.com/office/drawing/2010/main">
+                    <a14:imgLayer r:embed="rId3">
+                      <a14:imgEffect>
+                        <a14:sharpenSoften amount="50000"/>
+                      </a14:imgEffect>
+                      <a14:imgEffect>
+                        <a14:saturation sat="400000"/>
+                      </a14:imgEffect>
+                    </a14:imgLayer>
+                  </a14:imgProps>
+                </a:ext>
+                <a:ext uri="{28A0092B-C50C-407E-A947-70E740481C1C}">
+                  <a14:useLocalDpi xmlns:a14="http://schemas.microsoft.com/office/drawing/2010/main" val="0"/>
+                </a:ext>
+              </a:extLst>
+            </a:blip>
+            <a:srcRect/>
+            <a:stretch>
+              <a:fillRect/>
+            </a:stretch>
+          </p:blipFill>
+          <p:spPr bwMode="auto">
+            <a:xfrm>
+              <a:off x="1725238" y="2708920"/>
+              <a:ext cx="5068360" cy="3964098"/>
+            </a:xfrm>
+            <a:prstGeom prst="rect">
+              <a:avLst/>
+            </a:prstGeom>
+            <a:noFill/>
+            <a:ln>
+              <a:noFill/>
+            </a:ln>
+            <a:effectLst/>
+            <a:extLst>
+              <a:ext uri="{909E8E84-426E-40DD-AFC4-6F175D3DCCD1}">
+                <a14:hiddenFill xmlns:a14="http://schemas.microsoft.com/office/drawing/2010/main">
+                  <a:solidFill>
+                    <a:schemeClr val="accent1"/>
+                  </a:solidFill>
+                </a14:hiddenFill>
+              </a:ext>
+              <a:ext uri="{91240B29-F687-4F45-9708-019B960494DF}">
+                <a14:hiddenLine xmlns:a14="http://schemas.microsoft.com/office/drawing/2010/main" w="9525">
+                  <a:solidFill>
+                    <a:schemeClr val="tx1"/>
+                  </a:solidFill>
+                  <a:miter lim="800000"/>
+                  <a:headEnd/>
+                  <a:tailEnd/>
+                </a14:hiddenLine>
+              </a:ext>
+              <a:ext uri="{AF507438-7753-43E0-B8FC-AC1667EBCBE1}">
+                <a14:hiddenEffects xmlns:a14="http://schemas.microsoft.com/office/drawing/2010/main">
+                  <a:effectLst>
+                    <a:outerShdw dist="35921" dir="2700000" algn="ctr" rotWithShape="0">
+                      <a:schemeClr val="bg2"/>
+                    </a:outerShdw>
+                  </a:effectLst>
+                </a14:hiddenEffects>
+              </a:ext>
+            </a:extLst>
+          </p:spPr>
+        </p:pic>
+        <p:sp>
+          <p:nvSpPr>
+            <p:cNvPr id="4" name="CasetăText 3"/>
+            <p:cNvSpPr txBox="1"/>
+            <p:nvPr/>
+          </p:nvSpPr>
+          <p:spPr>
+            <a:xfrm>
+              <a:off x="1725238" y="2760744"/>
+              <a:ext cx="2952328" cy="584775"/>
+            </a:xfrm>
+            <a:prstGeom prst="rect">
+              <a:avLst/>
+            </a:prstGeom>
+            <a:noFill/>
+          </p:spPr>
+          <p:txBody>
+            <a:bodyPr wrap="square" rtlCol="0">
+              <a:spAutoFit/>
+            </a:bodyPr>
+            <a:lstStyle/>
+            <a:p>
+              <a:r>
+                <a:rPr lang="en-US" sz="1600" b="1" dirty="0" smtClean="0"/>
+                <a:t>DIAGRAMA DE DESIGN A SISTEMULUI</a:t>
+              </a:r>
+              <a:endParaRPr lang="ro-RO" sz="1600" b="1" dirty="0"/>
+            </a:p>
+          </p:txBody>
+        </p:sp>
+      </p:grpSp>
     </p:spTree>
     <p:extLst>
       <p:ext uri="{BB962C8B-B14F-4D97-AF65-F5344CB8AC3E}">
@@ -21177,105 +21186,6 @@
                                         <p:cTn id="12" dur="500"/>
                                         <p:tgtEl>
                                           <p:spTgt spid="2"/>
-                                        </p:tgtEl>
-                                      </p:cBhvr>
-                                    </p:animEffect>
-                                  </p:childTnLst>
-                                </p:cTn>
-                              </p:par>
-                            </p:childTnLst>
-                          </p:cTn>
-                        </p:par>
-                      </p:childTnLst>
-                    </p:cTn>
-                  </p:par>
-                  <p:par>
-                    <p:cTn id="13" fill="hold">
-                      <p:stCondLst>
-                        <p:cond delay="indefinite"/>
-                      </p:stCondLst>
-                      <p:childTnLst>
-                        <p:par>
-                          <p:cTn id="14" fill="hold">
-                            <p:stCondLst>
-                              <p:cond delay="0"/>
-                            </p:stCondLst>
-                            <p:childTnLst>
-                              <p:par>
-                                <p:cTn id="15" presetID="53" presetClass="entr" presetSubtype="16" fill="hold" nodeType="clickEffect">
-                                  <p:stCondLst>
-                                    <p:cond delay="0"/>
-                                  </p:stCondLst>
-                                  <p:childTnLst>
-                                    <p:set>
-                                      <p:cBhvr>
-                                        <p:cTn id="16" dur="1" fill="hold">
-                                          <p:stCondLst>
-                                            <p:cond delay="0"/>
-                                          </p:stCondLst>
-                                        </p:cTn>
-                                        <p:tgtEl>
-                                          <p:spTgt spid="1026"/>
-                                        </p:tgtEl>
-                                        <p:attrNameLst>
-                                          <p:attrName>style.visibility</p:attrName>
-                                        </p:attrNameLst>
-                                      </p:cBhvr>
-                                      <p:to>
-                                        <p:strVal val="visible"/>
-                                      </p:to>
-                                    </p:set>
-                                    <p:anim calcmode="lin" valueType="num">
-                                      <p:cBhvr>
-                                        <p:cTn id="17" dur="500" fill="hold"/>
-                                        <p:tgtEl>
-                                          <p:spTgt spid="1026"/>
-                                        </p:tgtEl>
-                                        <p:attrNameLst>
-                                          <p:attrName>ppt_w</p:attrName>
-                                        </p:attrNameLst>
-                                      </p:cBhvr>
-                                      <p:tavLst>
-                                        <p:tav tm="0">
-                                          <p:val>
-                                            <p:fltVal val="0"/>
-                                          </p:val>
-                                        </p:tav>
-                                        <p:tav tm="100000">
-                                          <p:val>
-                                            <p:strVal val="#ppt_w"/>
-                                          </p:val>
-                                        </p:tav>
-                                      </p:tavLst>
-                                    </p:anim>
-                                    <p:anim calcmode="lin" valueType="num">
-                                      <p:cBhvr>
-                                        <p:cTn id="18" dur="500" fill="hold"/>
-                                        <p:tgtEl>
-                                          <p:spTgt spid="1026"/>
-                                        </p:tgtEl>
-                                        <p:attrNameLst>
-                                          <p:attrName>ppt_h</p:attrName>
-                                        </p:attrNameLst>
-                                      </p:cBhvr>
-                                      <p:tavLst>
-                                        <p:tav tm="0">
-                                          <p:val>
-                                            <p:fltVal val="0"/>
-                                          </p:val>
-                                        </p:tav>
-                                        <p:tav tm="100000">
-                                          <p:val>
-                                            <p:strVal val="#ppt_h"/>
-                                          </p:val>
-                                        </p:tav>
-                                      </p:tavLst>
-                                    </p:anim>
-                                    <p:animEffect transition="in" filter="fade">
-                                      <p:cBhvr>
-                                        <p:cTn id="19" dur="500"/>
-                                        <p:tgtEl>
-                                          <p:spTgt spid="1026"/>
                                         </p:tgtEl>
                                       </p:cBhvr>
                                     </p:animEffect>

--- a/Licenta.pptx
+++ b/Licenta.pptx
@@ -8165,7 +8165,7 @@
         <p:spPr>
           <a:xfrm>
             <a:off x="899592" y="6272912"/>
-            <a:ext cx="1290827" cy="369332"/>
+            <a:ext cx="1674614" cy="369332"/>
           </a:xfrm>
           <a:prstGeom prst="rect">
             <a:avLst/>
@@ -8181,7 +8181,15 @@
             <a:pPr algn="ctr"/>
             <a:r>
               <a:rPr lang="en-US" dirty="0" smtClean="0"/>
-              <a:t>39.2 mil</a:t>
+              <a:t>39.2 </a:t>
+            </a:r>
+            <a:r>
+              <a:rPr lang="en-US" dirty="0" smtClean="0"/>
+              <a:t>mil </a:t>
+            </a:r>
+            <a:r>
+              <a:rPr lang="en-US" dirty="0" err="1" smtClean="0"/>
+              <a:t>buc</a:t>
             </a:r>
             <a:endParaRPr lang="ro-RO" dirty="0"/>
           </a:p>
@@ -8592,8 +8600,8 @@
         </p:nvSpPr>
         <p:spPr>
           <a:xfrm>
-            <a:off x="2987003" y="3419708"/>
-            <a:ext cx="1290827" cy="369332"/>
+            <a:off x="2783351" y="3419708"/>
+            <a:ext cx="1688818" cy="369332"/>
           </a:xfrm>
           <a:prstGeom prst="rect">
             <a:avLst/>
@@ -8609,7 +8617,15 @@
             <a:pPr algn="ctr"/>
             <a:r>
               <a:rPr lang="en-US" dirty="0" smtClean="0"/>
-              <a:t>72.61 mil</a:t>
+              <a:t>72.61 </a:t>
+            </a:r>
+            <a:r>
+              <a:rPr lang="en-US" dirty="0" smtClean="0"/>
+              <a:t>mil </a:t>
+            </a:r>
+            <a:r>
+              <a:rPr lang="en-US" dirty="0" err="1" smtClean="0"/>
+              <a:t>buc</a:t>
             </a:r>
             <a:endParaRPr lang="ro-RO" dirty="0"/>
           </a:p>
@@ -8981,8 +8997,8 @@
         </p:nvSpPr>
         <p:spPr>
           <a:xfrm>
-            <a:off x="5158174" y="6300028"/>
-            <a:ext cx="1290827" cy="369332"/>
+            <a:off x="5004048" y="6300028"/>
+            <a:ext cx="1656184" cy="369332"/>
           </a:xfrm>
           <a:prstGeom prst="rect">
             <a:avLst/>
@@ -8998,7 +9014,15 @@
             <a:pPr algn="ctr"/>
             <a:r>
               <a:rPr lang="en-US" dirty="0" smtClean="0"/>
-              <a:t>79.02 mil</a:t>
+              <a:t>79.02 </a:t>
+            </a:r>
+            <a:r>
+              <a:rPr lang="en-US" dirty="0" smtClean="0"/>
+              <a:t>mil </a:t>
+            </a:r>
+            <a:r>
+              <a:rPr lang="en-US" dirty="0" err="1" smtClean="0"/>
+              <a:t>buc</a:t>
             </a:r>
             <a:endParaRPr lang="ro-RO" dirty="0"/>
           </a:p>
@@ -9370,8 +9394,8 @@
         </p:nvSpPr>
         <p:spPr>
           <a:xfrm>
-            <a:off x="7164288" y="3429000"/>
-            <a:ext cx="1290827" cy="369332"/>
+            <a:off x="6952864" y="3429000"/>
+            <a:ext cx="1652428" cy="369332"/>
           </a:xfrm>
           <a:prstGeom prst="rect">
             <a:avLst/>
@@ -9387,7 +9411,15 @@
             <a:pPr algn="ctr"/>
             <a:r>
               <a:rPr lang="en-US" dirty="0" smtClean="0"/>
-              <a:t>81.57 mil</a:t>
+              <a:t>81.57 </a:t>
+            </a:r>
+            <a:r>
+              <a:rPr lang="en-US" dirty="0" smtClean="0"/>
+              <a:t>mil </a:t>
+            </a:r>
+            <a:r>
+              <a:rPr lang="en-US" dirty="0" err="1" smtClean="0"/>
+              <a:t>buc</a:t>
             </a:r>
             <a:endParaRPr lang="ro-RO" dirty="0"/>
           </a:p>
@@ -14095,7 +14127,27 @@
             </a:pPr>
             <a:r>
               <a:rPr lang="ro-RO" dirty="0"/>
-              <a:t>O condiție prealabilă este că specificarea diagnosticului trebuie mutată la începutul procesului de dezvoltare</a:t>
+              <a:t>O condiție </a:t>
+            </a:r>
+            <a:r>
+              <a:rPr lang="ro-RO" dirty="0" smtClean="0"/>
+              <a:t>inevitabi</a:t>
+            </a:r>
+            <a:r>
+              <a:rPr lang="ro-RO" dirty="0" smtClean="0"/>
+              <a:t>lă </a:t>
+            </a:r>
+            <a:r>
+              <a:rPr lang="ro-RO" smtClean="0"/>
+              <a:t>este implementarea unui </a:t>
+            </a:r>
+            <a:r>
+              <a:rPr lang="ro-RO" dirty="0" smtClean="0"/>
+              <a:t>mod de diagnoză chiar de </a:t>
+            </a:r>
+            <a:r>
+              <a:rPr lang="ro-RO" dirty="0"/>
+              <a:t>la începutul procesului de dezvoltare</a:t>
             </a:r>
           </a:p>
         </p:txBody>
@@ -21186,6 +21238,96 @@
                                         <p:cTn id="12" dur="500"/>
                                         <p:tgtEl>
                                           <p:spTgt spid="2"/>
+                                        </p:tgtEl>
+                                      </p:cBhvr>
+                                    </p:animEffect>
+                                  </p:childTnLst>
+                                </p:cTn>
+                              </p:par>
+                            </p:childTnLst>
+                          </p:cTn>
+                        </p:par>
+                        <p:par>
+                          <p:cTn id="13" fill="hold">
+                            <p:stCondLst>
+                              <p:cond delay="1000"/>
+                            </p:stCondLst>
+                            <p:childTnLst>
+                              <p:par>
+                                <p:cTn id="14" presetID="53" presetClass="entr" presetSubtype="16" fill="hold" nodeType="afterEffect">
+                                  <p:stCondLst>
+                                    <p:cond delay="0"/>
+                                  </p:stCondLst>
+                                  <p:childTnLst>
+                                    <p:set>
+                                      <p:cBhvr>
+                                        <p:cTn id="15" dur="1" fill="hold">
+                                          <p:stCondLst>
+                                            <p:cond delay="0"/>
+                                          </p:stCondLst>
+                                        </p:cTn>
+                                        <p:tgtEl>
+                                          <p:spTgt spid="8"/>
+                                        </p:tgtEl>
+                                        <p:attrNameLst>
+                                          <p:attrName>style.visibility</p:attrName>
+                                        </p:attrNameLst>
+                                      </p:cBhvr>
+                                      <p:to>
+                                        <p:strVal val="visible"/>
+                                      </p:to>
+                                    </p:set>
+                                    <p:anim calcmode="lin" valueType="num">
+                                      <p:cBhvr>
+                                        <p:cTn id="16" dur="500" fill="hold"/>
+                                        <p:tgtEl>
+                                          <p:spTgt spid="8"/>
+                                        </p:tgtEl>
+                                        <p:attrNameLst>
+                                          <p:attrName>ppt_w</p:attrName>
+                                        </p:attrNameLst>
+                                      </p:cBhvr>
+                                      <p:tavLst>
+                                        <p:tav tm="0">
+                                          <p:val>
+                                            <p:fltVal val="0"/>
+                                          </p:val>
+                                        </p:tav>
+                                        <p:tav tm="100000">
+                                          <p:val>
+                                            <p:strVal val="#ppt_w"/>
+                                          </p:val>
+                                        </p:tav>
+                                      </p:tavLst>
+                                    </p:anim>
+                                    <p:anim calcmode="lin" valueType="num">
+                                      <p:cBhvr>
+                                        <p:cTn id="17" dur="500" fill="hold"/>
+                                        <p:tgtEl>
+                                          <p:spTgt spid="8"/>
+                                        </p:tgtEl>
+                                        <p:attrNameLst>
+                                          <p:attrName>ppt_h</p:attrName>
+                                        </p:attrNameLst>
+                                      </p:cBhvr>
+                                      <p:tavLst>
+                                        <p:tav tm="0">
+                                          <p:val>
+                                            <p:fltVal val="0"/>
+                                          </p:val>
+                                        </p:tav>
+                                        <p:tav tm="100000">
+                                          <p:val>
+                                            <p:strVal val="#ppt_h"/>
+                                          </p:val>
+                                        </p:tav>
+                                      </p:tavLst>
+                                    </p:anim>
+                                    <p:animEffect transition="in" filter="fade">
+                                      <p:cBhvr>
+                                        <p:cTn id="18" dur="500"/>
+                                        <p:tgtEl>
+                                          <p:spTgt spid="8"/>
                                         </p:tgtEl>
                                       </p:cBhvr>
                                     </p:animEffect>
@@ -23476,21 +23618,30 @@
                             </p:childTnLst>
                           </p:cTn>
                         </p:par>
+                      </p:childTnLst>
+                    </p:cTn>
+                  </p:par>
+                  <p:par>
+                    <p:cTn id="33" fill="hold">
+                      <p:stCondLst>
+                        <p:cond delay="indefinite"/>
+                      </p:stCondLst>
+                      <p:childTnLst>
                         <p:par>
-                          <p:cTn id="33" fill="hold">
+                          <p:cTn id="34" fill="hold">
                             <p:stCondLst>
-                              <p:cond delay="3000"/>
+                              <p:cond delay="0"/>
                             </p:stCondLst>
                             <p:childTnLst>
                               <p:par>
-                                <p:cTn id="34" presetID="53" presetClass="entr" presetSubtype="16" fill="hold" grpId="0" nodeType="afterEffect">
+                                <p:cTn id="35" presetID="53" presetClass="entr" presetSubtype="16" fill="hold" grpId="0" nodeType="clickEffect">
                                   <p:stCondLst>
                                     <p:cond delay="0"/>
                                   </p:stCondLst>
                                   <p:childTnLst>
                                     <p:set>
                                       <p:cBhvr>
-                                        <p:cTn id="35" dur="1" fill="hold">
+                                        <p:cTn id="36" dur="1" fill="hold">
                                           <p:stCondLst>
                                             <p:cond delay="0"/>
                                           </p:stCondLst>
@@ -23508,7 +23659,7 @@
                                     </p:set>
                                     <p:anim calcmode="lin" valueType="num">
                                       <p:cBhvr>
-                                        <p:cTn id="36" dur="500" fill="hold"/>
+                                        <p:cTn id="37" dur="500" fill="hold"/>
                                         <p:tgtEl>
                                           <p:spTgt spid="2067"/>
                                         </p:tgtEl>
@@ -23531,7 +23682,7 @@
                                     </p:anim>
                                     <p:anim calcmode="lin" valueType="num">
                                       <p:cBhvr>
-                                        <p:cTn id="37" dur="500" fill="hold"/>
+                                        <p:cTn id="38" dur="500" fill="hold"/>
                                         <p:tgtEl>
                                           <p:spTgt spid="2067"/>
                                         </p:tgtEl>
@@ -23554,7 +23705,7 @@
                                     </p:anim>
                                     <p:animEffect transition="in" filter="fade">
                                       <p:cBhvr>
-                                        <p:cTn id="38" dur="500"/>
+                                        <p:cTn id="39" dur="500"/>
                                         <p:tgtEl>
                                           <p:spTgt spid="2067"/>
                                         </p:tgtEl>
@@ -23566,23 +23717,14 @@
                             </p:childTnLst>
                           </p:cTn>
                         </p:par>
-                      </p:childTnLst>
-                    </p:cTn>
-                  </p:par>
-                  <p:par>
-                    <p:cTn id="39" fill="hold">
-                      <p:stCondLst>
-                        <p:cond delay="indefinite"/>
-                      </p:stCondLst>
-                      <p:childTnLst>
                         <p:par>
                           <p:cTn id="40" fill="hold">
                             <p:stCondLst>
-                              <p:cond delay="0"/>
+                              <p:cond delay="500"/>
                             </p:stCondLst>
                             <p:childTnLst>
                               <p:par>
-                                <p:cTn id="41" presetID="53" presetClass="entr" presetSubtype="16" fill="hold" grpId="0" nodeType="clickEffect">
+                                <p:cTn id="41" presetID="53" presetClass="entr" presetSubtype="16" fill="hold" grpId="0" nodeType="afterEffect">
                                   <p:stCondLst>
                                     <p:cond delay="0"/>
                                   </p:stCondLst>
@@ -23668,7 +23810,7 @@
                         <p:par>
                           <p:cTn id="46" fill="hold">
                             <p:stCondLst>
-                              <p:cond delay="500"/>
+                              <p:cond delay="1000"/>
                             </p:stCondLst>
                             <p:childTnLst>
                               <p:par>
@@ -23758,7 +23900,7 @@
                         <p:par>
                           <p:cTn id="52" fill="hold">
                             <p:stCondLst>
-                              <p:cond delay="1000"/>
+                              <p:cond delay="1500"/>
                             </p:stCondLst>
                             <p:childTnLst>
                               <p:par>
@@ -23802,7 +23944,7 @@
                         <p:par>
                           <p:cTn id="56" fill="hold">
                             <p:stCondLst>
-                              <p:cond delay="1500"/>
+                              <p:cond delay="2000"/>
                             </p:stCondLst>
                             <p:childTnLst>
                               <p:par>
